--- a/dist/report1.pptx
+++ b/dist/report1.pptx
@@ -122,7 +122,7 @@
   </p:defaultTextStyle>
   <p:extLst>
     <p:ext uri="{EFAFB233-063F-42B5-8137-9DF3F51BA10A}">
-      <p15:sldGuideLst xmlns="" xmlns:p15="http://schemas.microsoft.com/office/powerpoint/2012/main">
+      <p15:sldGuideLst xmlns:p15="http://schemas.microsoft.com/office/powerpoint/2012/main" xmlns="">
         <p15:guide id="1" orient="horz" pos="2160">
           <p15:clr>
             <a:srgbClr val="A4A3A4"/>
@@ -164,9 +164,9 @@
           </c:marker>
           <c:cat>
             <c:strRef>
-              <c:f>Sheet1!$A$2:$A$32</c:f>
+              <c:f>Sheet1!$A$2:$A$31</c:f>
               <c:strCache>
-                <c:ptCount val="31"/>
+                <c:ptCount val="30"/>
                 <c:pt idx="0">
                   <c:v>1</c:v>
                 </c:pt>
@@ -256,111 +256,105 @@
                 </c:pt>
                 <c:pt idx="29">
                   <c:v>30</c:v>
-                </c:pt>
-                <c:pt idx="30">
-                  <c:v>31</c:v>
                 </c:pt>
               </c:strCache>
             </c:strRef>
           </c:cat>
           <c:val>
             <c:numRef>
-              <c:f>Sheet1!$B$2:$B$32</c:f>
+              <c:f>Sheet1!$B$2:$B$31</c:f>
               <c:numCache>
                 <c:formatCode>General</c:formatCode>
-                <c:ptCount val="31"/>
+                <c:ptCount val="30"/>
                 <c:pt idx="0">
+                  <c:v>7.8</c:v>
+                </c:pt>
+                <c:pt idx="1">
+                  <c:v>8.1</c:v>
+                </c:pt>
+                <c:pt idx="2">
+                  <c:v>8.8</c:v>
+                </c:pt>
+                <c:pt idx="3">
                   <c:v>8.5</c:v>
                 </c:pt>
-                <c:pt idx="1">
-                  <c:v>6.2</c:v>
-                </c:pt>
-                <c:pt idx="2">
-                  <c:v>7.0</c:v>
-                </c:pt>
-                <c:pt idx="3">
+                <c:pt idx="4">
                   <c:v>7.4</c:v>
                 </c:pt>
-                <c:pt idx="4">
-                  <c:v>7.7</c:v>
-                </c:pt>
                 <c:pt idx="5">
-                  <c:v>7.8</c:v>
+                  <c:v>7.4</c:v>
                 </c:pt>
                 <c:pt idx="6">
+                  <c:v>7.5</c:v>
+                </c:pt>
+                <c:pt idx="7">
                   <c:v>7.6</c:v>
                 </c:pt>
-                <c:pt idx="7">
-                  <c:v>7.4</c:v>
-                </c:pt>
                 <c:pt idx="8">
-                  <c:v>7.4</c:v>
+                  <c:v>7.6</c:v>
                 </c:pt>
                 <c:pt idx="9">
-                  <c:v>8.0</c:v>
+                  <c:v>6.9</c:v>
                 </c:pt>
                 <c:pt idx="10">
-                  <c:v>8.5</c:v>
+                  <c:v>6.1</c:v>
                 </c:pt>
                 <c:pt idx="11">
-                  <c:v>8.7</c:v>
+                  <c:v>8.1</c:v>
                 </c:pt>
                 <c:pt idx="12">
-                  <c:v>8.6</c:v>
+                  <c:v>8.3</c:v>
                 </c:pt>
                 <c:pt idx="13">
                   <c:v>8.7</c:v>
                 </c:pt>
                 <c:pt idx="14">
-                  <c:v>7.6</c:v>
+                  <c:v>8.8</c:v>
                 </c:pt>
                 <c:pt idx="15">
-                  <c:v>7.8</c:v>
+                  <c:v>8.6</c:v>
                 </c:pt>
                 <c:pt idx="16">
+                  <c:v>8.3</c:v>
+                </c:pt>
+                <c:pt idx="17">
+                  <c:v>7.9</c:v>
+                </c:pt>
+                <c:pt idx="18">
+                  <c:v>7.9</c:v>
+                </c:pt>
+                <c:pt idx="19">
+                  <c:v>7.9</c:v>
+                </c:pt>
+                <c:pt idx="20">
+                  <c:v>8.2</c:v>
+                </c:pt>
+                <c:pt idx="21">
+                  <c:v>8.3</c:v>
+                </c:pt>
+                <c:pt idx="22">
+                  <c:v>8.2</c:v>
+                </c:pt>
+                <c:pt idx="23">
+                  <c:v>8.1</c:v>
+                </c:pt>
+                <c:pt idx="24">
+                  <c:v>8.1</c:v>
+                </c:pt>
+                <c:pt idx="25">
                   <c:v>8.5</c:v>
                 </c:pt>
-                <c:pt idx="17">
-                  <c:v>8.9</c:v>
-                </c:pt>
-                <c:pt idx="18">
-                  <c:v>9.1</c:v>
-                </c:pt>
-                <c:pt idx="19">
-                  <c:v>9.0</c:v>
-                </c:pt>
-                <c:pt idx="20">
+                <c:pt idx="26">
                   <c:v>8.4</c:v>
                 </c:pt>
-                <c:pt idx="21">
-                  <c:v>8.1</c:v>
-                </c:pt>
-                <c:pt idx="22">
-                  <c:v>7.9</c:v>
-                </c:pt>
-                <c:pt idx="23">
-                  <c:v>8.3</c:v>
-                </c:pt>
-                <c:pt idx="24">
-                  <c:v>8.7</c:v>
-                </c:pt>
-                <c:pt idx="25">
-                  <c:v>7.3</c:v>
-                </c:pt>
-                <c:pt idx="26">
-                  <c:v>6.9</c:v>
-                </c:pt>
                 <c:pt idx="27">
-                  <c:v>6.8</c:v>
+                  <c:v>8.2</c:v>
                 </c:pt>
                 <c:pt idx="28">
-                  <c:v>6.7</c:v>
+                  <c:v>8.0</c:v>
                 </c:pt>
                 <c:pt idx="29">
-                  <c:v>6.1</c:v>
-                </c:pt>
-                <c:pt idx="30">
-                  <c:v>6.4</c:v>
+                  <c:v>8.2</c:v>
                 </c:pt>
               </c:numCache>
             </c:numRef>
@@ -455,9 +449,9 @@
           </c:marker>
           <c:cat>
             <c:strRef>
-              <c:f>Sheet1!$A$2:$A$32</c:f>
+              <c:f>Sheet1!$A$2:$A$31</c:f>
               <c:strCache>
-                <c:ptCount val="31"/>
+                <c:ptCount val="30"/>
                 <c:pt idx="0">
                   <c:v>1</c:v>
                 </c:pt>
@@ -547,111 +541,105 @@
                 </c:pt>
                 <c:pt idx="29">
                   <c:v>30</c:v>
-                </c:pt>
-                <c:pt idx="30">
-                  <c:v>31</c:v>
                 </c:pt>
               </c:strCache>
             </c:strRef>
           </c:cat>
           <c:val>
             <c:numRef>
-              <c:f>Sheet1!$B$2:$B$32</c:f>
+              <c:f>Sheet1!$B$2:$B$31</c:f>
               <c:numCache>
                 <c:formatCode>General</c:formatCode>
-                <c:ptCount val="31"/>
+                <c:ptCount val="30"/>
                 <c:pt idx="0">
-                  <c:v>122.2</c:v>
+                  <c:v>135.0</c:v>
                 </c:pt>
                 <c:pt idx="1">
-                  <c:v>114.7</c:v>
+                  <c:v>119.7</c:v>
                 </c:pt>
                 <c:pt idx="2">
-                  <c:v>123.2</c:v>
+                  <c:v>110.6</c:v>
                 </c:pt>
                 <c:pt idx="3">
-                  <c:v>128.7</c:v>
+                  <c:v>115.2</c:v>
                 </c:pt>
                 <c:pt idx="4">
-                  <c:v>125.5</c:v>
+                  <c:v>122.1</c:v>
                 </c:pt>
                 <c:pt idx="5">
-                  <c:v>126.4</c:v>
+                  <c:v>128.1</c:v>
                 </c:pt>
                 <c:pt idx="6">
-                  <c:v>118.4</c:v>
+                  <c:v>134.0</c:v>
                 </c:pt>
                 <c:pt idx="7">
-                  <c:v>109.7</c:v>
+                  <c:v>136.0</c:v>
                 </c:pt>
                 <c:pt idx="8">
-                  <c:v>125.4</c:v>
+                  <c:v>127.4</c:v>
                 </c:pt>
                 <c:pt idx="9">
-                  <c:v>132.9</c:v>
+                  <c:v>115.7</c:v>
                 </c:pt>
                 <c:pt idx="10">
-                  <c:v>138.2</c:v>
+                  <c:v>129.5</c:v>
                 </c:pt>
                 <c:pt idx="11">
-                  <c:v>140.2</c:v>
+                  <c:v>144.7</c:v>
                 </c:pt>
                 <c:pt idx="12">
-                  <c:v>141.3</c:v>
+                  <c:v>144.1</c:v>
                 </c:pt>
                 <c:pt idx="13">
-                  <c:v>126.0</c:v>
+                  <c:v>159.8</c:v>
                 </c:pt>
                 <c:pt idx="14">
-                  <c:v>111.8</c:v>
+                  <c:v>164.3</c:v>
                 </c:pt>
                 <c:pt idx="15">
-                  <c:v>132.1</c:v>
+                  <c:v>152.2</c:v>
                 </c:pt>
                 <c:pt idx="16">
-                  <c:v>138.2</c:v>
+                  <c:v>134.1</c:v>
                 </c:pt>
                 <c:pt idx="17">
-                  <c:v>147.3</c:v>
+                  <c:v>141.2</c:v>
                 </c:pt>
                 <c:pt idx="18">
-                  <c:v>150.2</c:v>
+                  <c:v>138.8</c:v>
                 </c:pt>
                 <c:pt idx="19">
-                  <c:v>147.9</c:v>
+                  <c:v>146.0</c:v>
                 </c:pt>
                 <c:pt idx="20">
-                  <c:v>127.8</c:v>
+                  <c:v>147.7</c:v>
                 </c:pt>
                 <c:pt idx="21">
-                  <c:v>116.8</c:v>
+                  <c:v>156.8</c:v>
                 </c:pt>
                 <c:pt idx="22">
-                  <c:v>135.3</c:v>
+                  <c:v>137.7</c:v>
                 </c:pt>
                 <c:pt idx="23">
-                  <c:v>134.0</c:v>
+                  <c:v>128.0</c:v>
                 </c:pt>
                 <c:pt idx="24">
-                  <c:v>143.7</c:v>
+                  <c:v>145.5</c:v>
                 </c:pt>
                 <c:pt idx="25">
-                  <c:v>32.9</c:v>
+                  <c:v>146.4</c:v>
                 </c:pt>
                 <c:pt idx="26">
-                  <c:v>0.0</c:v>
+                  <c:v>138.9</c:v>
                 </c:pt>
                 <c:pt idx="27">
-                  <c:v>0.0</c:v>
+                  <c:v>140.1</c:v>
                 </c:pt>
                 <c:pt idx="28">
-                  <c:v>0.0</c:v>
+                  <c:v>143.4</c:v>
                 </c:pt>
                 <c:pt idx="29">
-                  <c:v>0.0</c:v>
-                </c:pt>
-                <c:pt idx="30">
-                  <c:v>0.0</c:v>
+                  <c:v>130.4</c:v>
                 </c:pt>
               </c:numCache>
             </c:numRef>
@@ -747,22 +735,22 @@
               <c:strCache>
                 <c:ptCount val="6"/>
                 <c:pt idx="0">
-                  <c:v>HKGSM</c:v>
+                  <c:v>SAUAJ</c:v>
                 </c:pt>
                 <c:pt idx="1">
-                  <c:v>HKGPP</c:v>
+                  <c:v>USAW6</c:v>
                 </c:pt>
                 <c:pt idx="2">
-                  <c:v>USAW6</c:v>
+                  <c:v>KORSK</c:v>
                 </c:pt>
                 <c:pt idx="3">
-                  <c:v>KORSK</c:v>
+                  <c:v>USACG</c:v>
                 </c:pt>
                 <c:pt idx="4">
+                  <c:v>THAWN</c:v>
+                </c:pt>
+                <c:pt idx="5">
                   <c:v>Others</c:v>
-                </c:pt>
-                <c:pt idx="5">
-                  <c:v>MACCT</c:v>
                 </c:pt>
               </c:strCache>
             </c:strRef>
@@ -774,22 +762,22 @@
                 <c:formatCode>General</c:formatCode>
                 <c:ptCount val="6"/>
                 <c:pt idx="0">
-                  <c:v>0.05</c:v>
+                  <c:v>0.06</c:v>
                 </c:pt>
                 <c:pt idx="1">
-                  <c:v>0.06</c:v>
+                  <c:v>0.08</c:v>
                 </c:pt>
                 <c:pt idx="2">
-                  <c:v>0.05</c:v>
+                  <c:v>0.12</c:v>
                 </c:pt>
                 <c:pt idx="3">
-                  <c:v>0.08</c:v>
+                  <c:v>0.12</c:v>
                 </c:pt>
                 <c:pt idx="4">
-                  <c:v>0.7</c:v>
+                  <c:v>0.15</c:v>
                 </c:pt>
                 <c:pt idx="5">
-                  <c:v>0.06</c:v>
+                  <c:v>0.47</c:v>
                 </c:pt>
               </c:numCache>
             </c:numRef>
@@ -872,22 +860,22 @@
               <c:strCache>
                 <c:ptCount val="6"/>
                 <c:pt idx="0">
-                  <c:v>BJ</c:v>
+                  <c:v>HuNan</c:v>
                 </c:pt>
                 <c:pt idx="1">
-                  <c:v>GD</c:v>
+                  <c:v>ShangDong</c:v>
                 </c:pt>
                 <c:pt idx="2">
-                  <c:v>SH</c:v>
+                  <c:v>ShangHai</c:v>
                 </c:pt>
                 <c:pt idx="3">
-                  <c:v>JS</c:v>
+                  <c:v>BeiJing</c:v>
                 </c:pt>
                 <c:pt idx="4">
-                  <c:v>ZJ</c:v>
+                  <c:v>Others</c:v>
                 </c:pt>
                 <c:pt idx="5">
-                  <c:v>Others</c:v>
+                  <c:v>GuangDong</c:v>
                 </c:pt>
               </c:strCache>
             </c:strRef>
@@ -899,22 +887,22 @@
                 <c:formatCode>General</c:formatCode>
                 <c:ptCount val="6"/>
                 <c:pt idx="0">
-                  <c:v>0.05</c:v>
+                  <c:v>0.04</c:v>
                 </c:pt>
                 <c:pt idx="1">
+                  <c:v>0.07</c:v>
+                </c:pt>
+                <c:pt idx="2">
                   <c:v>0.08</c:v>
                 </c:pt>
-                <c:pt idx="2">
-                  <c:v>0.04</c:v>
-                </c:pt>
                 <c:pt idx="3">
-                  <c:v>0.5</c:v>
+                  <c:v>0.14</c:v>
                 </c:pt>
                 <c:pt idx="4">
-                  <c:v>0.18</c:v>
+                  <c:v>0.25</c:v>
                 </c:pt>
                 <c:pt idx="5">
-                  <c:v>0.15</c:v>
+                  <c:v>0.42</c:v>
                 </c:pt>
               </c:numCache>
             </c:numRef>
@@ -996,9 +984,9 @@
           </c:marker>
           <c:cat>
             <c:strRef>
-              <c:f>Sheet1!$A$2:$A$32</c:f>
+              <c:f>Sheet1!$A$2:$A$31</c:f>
               <c:strCache>
-                <c:ptCount val="31"/>
+                <c:ptCount val="30"/>
                 <c:pt idx="0">
                   <c:v>1</c:v>
                 </c:pt>
@@ -1088,110 +1076,104 @@
                 </c:pt>
                 <c:pt idx="29">
                   <c:v>30</c:v>
-                </c:pt>
-                <c:pt idx="30">
-                  <c:v>31</c:v>
                 </c:pt>
               </c:strCache>
             </c:strRef>
           </c:cat>
           <c:val>
             <c:numRef>
-              <c:f>Sheet1!$B$2:$B$32</c:f>
+              <c:f>Sheet1!$B$2:$B$31</c:f>
               <c:numCache>
                 <c:formatCode>General</c:formatCode>
-                <c:ptCount val="31"/>
+                <c:ptCount val="30"/>
                 <c:pt idx="0">
+                  <c:v>5.0</c:v>
+                </c:pt>
+                <c:pt idx="1">
                   <c:v>5.4</c:v>
                 </c:pt>
-                <c:pt idx="1">
-                  <c:v>3.3</c:v>
-                </c:pt>
                 <c:pt idx="2">
-                  <c:v>4.1</c:v>
+                  <c:v>5.9</c:v>
                 </c:pt>
                 <c:pt idx="3">
+                  <c:v>5.3</c:v>
+                </c:pt>
+                <c:pt idx="4">
+                  <c:v>4.3</c:v>
+                </c:pt>
+                <c:pt idx="5">
+                  <c:v>4.6</c:v>
+                </c:pt>
+                <c:pt idx="6">
                   <c:v>4.5</c:v>
                 </c:pt>
-                <c:pt idx="4">
+                <c:pt idx="7">
+                  <c:v>4.7</c:v>
+                </c:pt>
+                <c:pt idx="8">
+                  <c:v>4.7</c:v>
+                </c:pt>
+                <c:pt idx="9">
+                  <c:v>4.3</c:v>
+                </c:pt>
+                <c:pt idx="10">
+                  <c:v>3.6</c:v>
+                </c:pt>
+                <c:pt idx="11">
+                  <c:v>5.2</c:v>
+                </c:pt>
+                <c:pt idx="12">
+                  <c:v>5.6</c:v>
+                </c:pt>
+                <c:pt idx="13">
+                  <c:v>5.7</c:v>
+                </c:pt>
+                <c:pt idx="14">
+                  <c:v>5.8</c:v>
+                </c:pt>
+                <c:pt idx="15">
+                  <c:v>5.7</c:v>
+                </c:pt>
+                <c:pt idx="16">
+                  <c:v>5.4</c:v>
+                </c:pt>
+                <c:pt idx="17">
                   <c:v>4.8</c:v>
                 </c:pt>
-                <c:pt idx="5">
-                  <c:v>4.7</c:v>
-                </c:pt>
-                <c:pt idx="6">
-                  <c:v>4.6</c:v>
-                </c:pt>
-                <c:pt idx="7">
-                  <c:v>4.4</c:v>
-                </c:pt>
-                <c:pt idx="8">
-                  <c:v>4.3</c:v>
-                </c:pt>
-                <c:pt idx="9">
-                  <c:v>5.1</c:v>
-                </c:pt>
-                <c:pt idx="10">
-                  <c:v>5.6</c:v>
-                </c:pt>
-                <c:pt idx="11">
-                  <c:v>5.7</c:v>
-                </c:pt>
-                <c:pt idx="12">
-                  <c:v>5.8</c:v>
-                </c:pt>
-                <c:pt idx="13">
-                  <c:v>6.0</c:v>
-                </c:pt>
-                <c:pt idx="14">
-                  <c:v>4.9</c:v>
-                </c:pt>
-                <c:pt idx="15">
-                  <c:v>4.9</c:v>
-                </c:pt>
-                <c:pt idx="16">
-                  <c:v>5.8</c:v>
-                </c:pt>
-                <c:pt idx="17">
-                  <c:v>6.0</c:v>
-                </c:pt>
                 <c:pt idx="18">
-                  <c:v>6.1</c:v>
+                  <c:v>5.0</c:v>
                 </c:pt>
                 <c:pt idx="19">
-                  <c:v>6.1</c:v>
+                  <c:v>5.3</c:v>
                 </c:pt>
                 <c:pt idx="20">
-                  <c:v>5.3</c:v>
+                  <c:v>5.4</c:v>
                 </c:pt>
                 <c:pt idx="21">
                   <c:v>5.2</c:v>
                 </c:pt>
                 <c:pt idx="22">
+                  <c:v>5.2</c:v>
+                </c:pt>
+                <c:pt idx="23">
+                  <c:v>5.1</c:v>
+                </c:pt>
+                <c:pt idx="24">
                   <c:v>4.8</c:v>
                 </c:pt>
-                <c:pt idx="23">
+                <c:pt idx="25">
                   <c:v>5.3</c:v>
                 </c:pt>
-                <c:pt idx="24">
-                  <c:v>5.7</c:v>
-                </c:pt>
-                <c:pt idx="25">
-                  <c:v>5.6</c:v>
-                </c:pt>
                 <c:pt idx="26">
-                  <c:v>5.6</c:v>
+                  <c:v>5.3</c:v>
                 </c:pt>
                 <c:pt idx="27">
-                  <c:v>5.4</c:v>
+                  <c:v>5.1</c:v>
                 </c:pt>
                 <c:pt idx="28">
-                  <c:v>5.2</c:v>
+                  <c:v>4.9</c:v>
                 </c:pt>
                 <c:pt idx="29">
-                  <c:v>4.6</c:v>
-                </c:pt>
-                <c:pt idx="30">
                   <c:v>5.0</c:v>
                 </c:pt>
               </c:numCache>
@@ -1288,22 +1270,22 @@
               <c:strCache>
                 <c:ptCount val="6"/>
                 <c:pt idx="0">
-                  <c:v>KORKF</c:v>
+                  <c:v>Others</c:v>
                 </c:pt>
                 <c:pt idx="1">
+                  <c:v>THACT</c:v>
+                </c:pt>
+                <c:pt idx="2">
+                  <c:v>AUSTA</c:v>
+                </c:pt>
+                <c:pt idx="3">
+                  <c:v>TWNFE</c:v>
+                </c:pt>
+                <c:pt idx="4">
+                  <c:v>USACG</c:v>
+                </c:pt>
+                <c:pt idx="5">
                   <c:v>USAW6</c:v>
-                </c:pt>
-                <c:pt idx="2">
-                  <c:v>TWNFE</c:v>
-                </c:pt>
-                <c:pt idx="3">
-                  <c:v>Others</c:v>
-                </c:pt>
-                <c:pt idx="4">
-                  <c:v>TWNLD</c:v>
-                </c:pt>
-                <c:pt idx="5">
-                  <c:v>HKGPP</c:v>
                 </c:pt>
               </c:strCache>
             </c:strRef>
@@ -1315,22 +1297,22 @@
                 <c:formatCode>General</c:formatCode>
                 <c:ptCount val="6"/>
                 <c:pt idx="0">
-                  <c:v>0.36</c:v>
+                  <c:v>-0.55</c:v>
                 </c:pt>
                 <c:pt idx="1">
+                  <c:v>0.13</c:v>
+                </c:pt>
+                <c:pt idx="2">
                   <c:v>0.14</c:v>
                 </c:pt>
-                <c:pt idx="2">
-                  <c:v>0.1</c:v>
-                </c:pt>
                 <c:pt idx="3">
-                  <c:v>-0.15</c:v>
+                  <c:v>0.14</c:v>
                 </c:pt>
                 <c:pt idx="4">
-                  <c:v>0.07</c:v>
+                  <c:v>0.42</c:v>
                 </c:pt>
                 <c:pt idx="5">
-                  <c:v>0.48</c:v>
+                  <c:v>0.72</c:v>
                 </c:pt>
               </c:numCache>
             </c:numRef>
@@ -1413,22 +1395,22 @@
               <c:strCache>
                 <c:ptCount val="6"/>
                 <c:pt idx="0">
-                  <c:v>BJ</c:v>
+                  <c:v>Others</c:v>
                 </c:pt>
                 <c:pt idx="1">
-                  <c:v>GD</c:v>
+                  <c:v>LiaoNing</c:v>
                 </c:pt>
                 <c:pt idx="2">
-                  <c:v>SH</c:v>
+                  <c:v>ShangHai</c:v>
                 </c:pt>
                 <c:pt idx="3">
-                  <c:v>JS</c:v>
+                  <c:v>FuJian</c:v>
                 </c:pt>
                 <c:pt idx="4">
-                  <c:v>ZJ</c:v>
+                  <c:v>JiangSu</c:v>
                 </c:pt>
                 <c:pt idx="5">
-                  <c:v>Others</c:v>
+                  <c:v>BeiJing</c:v>
                 </c:pt>
               </c:strCache>
             </c:strRef>
@@ -1440,22 +1422,22 @@
                 <c:formatCode>General</c:formatCode>
                 <c:ptCount val="6"/>
                 <c:pt idx="0">
-                  <c:v>0.12</c:v>
+                  <c:v>0.0</c:v>
                 </c:pt>
                 <c:pt idx="1">
-                  <c:v>0.11</c:v>
+                  <c:v>0.1</c:v>
                 </c:pt>
                 <c:pt idx="2">
-                  <c:v>0.09</c:v>
+                  <c:v>0.1</c:v>
                 </c:pt>
                 <c:pt idx="3">
-                  <c:v>0.2</c:v>
+                  <c:v>0.14</c:v>
                 </c:pt>
                 <c:pt idx="4">
-                  <c:v>0.07</c:v>
+                  <c:v>0.19</c:v>
                 </c:pt>
                 <c:pt idx="5">
-                  <c:v>0.41</c:v>
+                  <c:v>0.47</c:v>
                 </c:pt>
               </c:numCache>
             </c:numRef>
@@ -1537,9 +1519,9 @@
           </c:marker>
           <c:cat>
             <c:strRef>
-              <c:f>Sheet1!$A$2:$A$32</c:f>
+              <c:f>Sheet1!$A$2:$A$31</c:f>
               <c:strCache>
-                <c:ptCount val="31"/>
+                <c:ptCount val="30"/>
                 <c:pt idx="0">
                   <c:v>1</c:v>
                 </c:pt>
@@ -1629,111 +1611,105 @@
                 </c:pt>
                 <c:pt idx="29">
                   <c:v>30</c:v>
-                </c:pt>
-                <c:pt idx="30">
-                  <c:v>31</c:v>
                 </c:pt>
               </c:strCache>
             </c:strRef>
           </c:cat>
           <c:val>
             <c:numRef>
-              <c:f>Sheet1!$B$2:$B$32</c:f>
+              <c:f>Sheet1!$B$2:$B$31</c:f>
               <c:numCache>
                 <c:formatCode>General</c:formatCode>
-                <c:ptCount val="31"/>
+                <c:ptCount val="30"/>
                 <c:pt idx="0">
+                  <c:v>8.2</c:v>
+                </c:pt>
+                <c:pt idx="1">
+                  <c:v>7.1</c:v>
+                </c:pt>
+                <c:pt idx="2">
+                  <c:v>6.7</c:v>
+                </c:pt>
+                <c:pt idx="3">
+                  <c:v>6.2</c:v>
+                </c:pt>
+                <c:pt idx="4">
+                  <c:v>7.1</c:v>
+                </c:pt>
+                <c:pt idx="5">
+                  <c:v>7.3</c:v>
+                </c:pt>
+                <c:pt idx="6">
+                  <c:v>7.6</c:v>
+                </c:pt>
+                <c:pt idx="7">
+                  <c:v>7.9</c:v>
+                </c:pt>
+                <c:pt idx="8">
+                  <c:v>7.0</c:v>
+                </c:pt>
+                <c:pt idx="9">
+                  <c:v>6.7</c:v>
+                </c:pt>
+                <c:pt idx="10">
                   <c:v>8.0</c:v>
                 </c:pt>
-                <c:pt idx="1">
-                  <c:v>7.4</c:v>
-                </c:pt>
-                <c:pt idx="2">
+                <c:pt idx="11">
+                  <c:v>8.1</c:v>
+                </c:pt>
+                <c:pt idx="12">
+                  <c:v>8.5</c:v>
+                </c:pt>
+                <c:pt idx="13">
+                  <c:v>8.7</c:v>
+                </c:pt>
+                <c:pt idx="14">
+                  <c:v>9.1</c:v>
+                </c:pt>
+                <c:pt idx="15">
                   <c:v>8.0</c:v>
                 </c:pt>
-                <c:pt idx="3">
-                  <c:v>7.8</c:v>
-                </c:pt>
-                <c:pt idx="4">
-                  <c:v>7.7</c:v>
-                </c:pt>
-                <c:pt idx="5">
-                  <c:v>8.0</c:v>
-                </c:pt>
-                <c:pt idx="6">
-                  <c:v>7.1</c:v>
-                </c:pt>
-                <c:pt idx="7">
-                  <c:v>6.6</c:v>
-                </c:pt>
-                <c:pt idx="8">
-                  <c:v>7.7</c:v>
-                </c:pt>
-                <c:pt idx="9">
-                  <c:v>8.0</c:v>
-                </c:pt>
-                <c:pt idx="10">
-                  <c:v>8.2</c:v>
-                </c:pt>
-                <c:pt idx="11">
-                  <c:v>8.3</c:v>
-                </c:pt>
-                <c:pt idx="12">
-                  <c:v>8.4</c:v>
-                </c:pt>
-                <c:pt idx="13">
+                <c:pt idx="16">
                   <c:v>7.3</c:v>
-                </c:pt>
-                <c:pt idx="14">
-                  <c:v>6.9</c:v>
-                </c:pt>
-                <c:pt idx="15">
-                  <c:v>7.8</c:v>
-                </c:pt>
-                <c:pt idx="16">
-                  <c:v>8.2</c:v>
                 </c:pt>
                 <c:pt idx="17">
                   <c:v>8.4</c:v>
                 </c:pt>
                 <c:pt idx="18">
+                  <c:v>8.6</c:v>
+                </c:pt>
+                <c:pt idx="19">
+                  <c:v>8.4</c:v>
+                </c:pt>
+                <c:pt idx="20">
                   <c:v>8.7</c:v>
                 </c:pt>
-                <c:pt idx="19">
-                  <c:v>8.7</c:v>
-                </c:pt>
-                <c:pt idx="20">
-                  <c:v>7.4</c:v>
-                </c:pt>
                 <c:pt idx="21">
-                  <c:v>6.8</c:v>
+                  <c:v>8.9</c:v>
                 </c:pt>
                 <c:pt idx="22">
-                  <c:v>8.2</c:v>
+                  <c:v>7.8</c:v>
                 </c:pt>
                 <c:pt idx="23">
-                  <c:v>8.3</c:v>
+                  <c:v>7.2</c:v>
                 </c:pt>
                 <c:pt idx="24">
                   <c:v>8.5</c:v>
                 </c:pt>
                 <c:pt idx="25">
-                  <c:v>8.8</c:v>
+                  <c:v>8.7</c:v>
                 </c:pt>
                 <c:pt idx="26">
-                  <c:v>8.7</c:v>
+                  <c:v>8.9</c:v>
                 </c:pt>
                 <c:pt idx="27">
-                  <c:v>7.4</c:v>
+                  <c:v>9.1</c:v>
                 </c:pt>
                 <c:pt idx="28">
-                  <c:v>6.7</c:v>
+                  <c:v>9.5</c:v>
                 </c:pt>
                 <c:pt idx="29">
-                  <c:v>7.1</c:v>
-                </c:pt>
-                <c:pt idx="30">
-                  <c:v>5.1</c:v>
+                  <c:v>8.4</c:v>
                 </c:pt>
               </c:numCache>
             </c:numRef>
@@ -1829,22 +1805,22 @@
               <c:strCache>
                 <c:ptCount val="6"/>
                 <c:pt idx="0">
-                  <c:v>Others</c:v>
+                  <c:v>HKGPP</c:v>
                 </c:pt>
                 <c:pt idx="1">
+                  <c:v>KORKF</c:v>
+                </c:pt>
+                <c:pt idx="2">
+                  <c:v>JPNDO</c:v>
+                </c:pt>
+                <c:pt idx="3">
                   <c:v>ITAOM</c:v>
-                </c:pt>
-                <c:pt idx="2">
-                  <c:v>HKGSM</c:v>
-                </c:pt>
-                <c:pt idx="3">
-                  <c:v>JPNDO</c:v>
                 </c:pt>
                 <c:pt idx="4">
                   <c:v>JPNJP</c:v>
                 </c:pt>
                 <c:pt idx="5">
-                  <c:v>MACCT</c:v>
+                  <c:v>Others</c:v>
                 </c:pt>
               </c:strCache>
             </c:strRef>
@@ -1856,22 +1832,22 @@
                 <c:formatCode>General</c:formatCode>
                 <c:ptCount val="6"/>
                 <c:pt idx="0">
-                  <c:v>-23.86</c:v>
+                  <c:v>0.09</c:v>
                 </c:pt>
                 <c:pt idx="1">
-                  <c:v>2.18</c:v>
+                  <c:v>0.09</c:v>
                 </c:pt>
                 <c:pt idx="2">
-                  <c:v>5.11</c:v>
+                  <c:v>0.1</c:v>
                 </c:pt>
                 <c:pt idx="3">
-                  <c:v>6.88</c:v>
+                  <c:v>0.1</c:v>
                 </c:pt>
                 <c:pt idx="4">
-                  <c:v>8.67</c:v>
+                  <c:v>0.13</c:v>
                 </c:pt>
                 <c:pt idx="5">
-                  <c:v>2.02</c:v>
+                  <c:v>0.49</c:v>
                 </c:pt>
               </c:numCache>
             </c:numRef>
@@ -1954,19 +1930,19 @@
               <c:strCache>
                 <c:ptCount val="6"/>
                 <c:pt idx="0">
-                  <c:v>BJ</c:v>
+                  <c:v>ShangHai</c:v>
                 </c:pt>
                 <c:pt idx="1">
-                  <c:v>GD</c:v>
+                  <c:v>ZheJiang</c:v>
                 </c:pt>
                 <c:pt idx="2">
-                  <c:v>SH</c:v>
+                  <c:v>BeiJing</c:v>
                 </c:pt>
                 <c:pt idx="3">
-                  <c:v>JS</c:v>
+                  <c:v>JiangSu</c:v>
                 </c:pt>
                 <c:pt idx="4">
-                  <c:v>ZJ</c:v>
+                  <c:v>GuangDong</c:v>
                 </c:pt>
                 <c:pt idx="5">
                   <c:v>Others</c:v>
@@ -1981,22 +1957,22 @@
                 <c:formatCode>General</c:formatCode>
                 <c:ptCount val="6"/>
                 <c:pt idx="0">
-                  <c:v>-3.55</c:v>
+                  <c:v>0.06</c:v>
                 </c:pt>
                 <c:pt idx="1">
-                  <c:v>0.7</c:v>
+                  <c:v>0.09</c:v>
                 </c:pt>
                 <c:pt idx="2">
-                  <c:v>0.98</c:v>
+                  <c:v>0.1</c:v>
                 </c:pt>
                 <c:pt idx="3">
-                  <c:v>1.16</c:v>
+                  <c:v>0.11</c:v>
                 </c:pt>
                 <c:pt idx="4">
-                  <c:v>1.43</c:v>
+                  <c:v>0.22</c:v>
                 </c:pt>
                 <c:pt idx="5">
-                  <c:v>0.28</c:v>
+                  <c:v>0.42</c:v>
                 </c:pt>
               </c:numCache>
             </c:numRef>
@@ -2078,9 +2054,9 @@
           </c:marker>
           <c:cat>
             <c:strRef>
-              <c:f>Sheet1!$A$2:$A$32</c:f>
+              <c:f>Sheet1!$A$2:$A$31</c:f>
               <c:strCache>
-                <c:ptCount val="31"/>
+                <c:ptCount val="30"/>
                 <c:pt idx="0">
                   <c:v>1</c:v>
                 </c:pt>
@@ -2170,111 +2146,105 @@
                 </c:pt>
                 <c:pt idx="29">
                   <c:v>30</c:v>
-                </c:pt>
-                <c:pt idx="30">
-                  <c:v>31</c:v>
                 </c:pt>
               </c:strCache>
             </c:strRef>
           </c:cat>
           <c:val>
             <c:numRef>
-              <c:f>Sheet1!$B$2:$B$32</c:f>
+              <c:f>Sheet1!$B$2:$B$31</c:f>
               <c:numCache>
                 <c:formatCode>General</c:formatCode>
-                <c:ptCount val="31"/>
+                <c:ptCount val="30"/>
                 <c:pt idx="0">
-                  <c:v>59.3</c:v>
+                  <c:v>56.1</c:v>
                 </c:pt>
                 <c:pt idx="1">
+                  <c:v>53.8</c:v>
+                </c:pt>
+                <c:pt idx="2">
+                  <c:v>50.6</c:v>
+                </c:pt>
+                <c:pt idx="3">
+                  <c:v>47.5</c:v>
+                </c:pt>
+                <c:pt idx="4">
+                  <c:v>50.6</c:v>
+                </c:pt>
+                <c:pt idx="5">
+                  <c:v>51.5</c:v>
+                </c:pt>
+                <c:pt idx="6">
+                  <c:v>52.7</c:v>
+                </c:pt>
+                <c:pt idx="7">
+                  <c:v>54.2</c:v>
+                </c:pt>
+                <c:pt idx="8">
+                  <c:v>52.7</c:v>
+                </c:pt>
+                <c:pt idx="9">
+                  <c:v>50.9</c:v>
+                </c:pt>
+                <c:pt idx="10">
+                  <c:v>55.1</c:v>
+                </c:pt>
+                <c:pt idx="11">
                   <c:v>55.2</c:v>
                 </c:pt>
-                <c:pt idx="2">
-                  <c:v>55.2</c:v>
-                </c:pt>
-                <c:pt idx="3">
-                  <c:v>53.7</c:v>
-                </c:pt>
-                <c:pt idx="4">
+                <c:pt idx="12">
+                  <c:v>56.0</c:v>
+                </c:pt>
+                <c:pt idx="13">
+                  <c:v>57.0</c:v>
+                </c:pt>
+                <c:pt idx="14">
+                  <c:v>58.8</c:v>
+                </c:pt>
+                <c:pt idx="15">
+                  <c:v>57.2</c:v>
+                </c:pt>
+                <c:pt idx="16">
+                  <c:v>53.6</c:v>
+                </c:pt>
+                <c:pt idx="17">
+                  <c:v>56.9</c:v>
+                </c:pt>
+                <c:pt idx="18">
+                  <c:v>57.4</c:v>
+                </c:pt>
+                <c:pt idx="19">
+                  <c:v>57.9</c:v>
+                </c:pt>
+                <c:pt idx="20">
+                  <c:v>58.3</c:v>
+                </c:pt>
+                <c:pt idx="21">
+                  <c:v>59.6</c:v>
+                </c:pt>
+                <c:pt idx="22">
+                  <c:v>57.3</c:v>
+                </c:pt>
+                <c:pt idx="23">
                   <c:v>54.0</c:v>
                 </c:pt>
-                <c:pt idx="5">
-                  <c:v>55.0</c:v>
-                </c:pt>
-                <c:pt idx="6">
-                  <c:v>53.5</c:v>
-                </c:pt>
-                <c:pt idx="7">
-                  <c:v>51.7</c:v>
-                </c:pt>
-                <c:pt idx="8">
-                  <c:v>54.4</c:v>
-                </c:pt>
-                <c:pt idx="9">
-                  <c:v>55.0</c:v>
-                </c:pt>
-                <c:pt idx="10">
-                  <c:v>55.8</c:v>
-                </c:pt>
-                <c:pt idx="11">
-                  <c:v>56.5</c:v>
-                </c:pt>
-                <c:pt idx="12">
-                  <c:v>57.5</c:v>
-                </c:pt>
-                <c:pt idx="13">
-                  <c:v>54.5</c:v>
-                </c:pt>
-                <c:pt idx="14">
-                  <c:v>53.0</c:v>
-                </c:pt>
-                <c:pt idx="15">
-                  <c:v>55.5</c:v>
-                </c:pt>
-                <c:pt idx="16">
-                  <c:v>55.5</c:v>
-                </c:pt>
-                <c:pt idx="17">
-                  <c:v>56.4</c:v>
-                </c:pt>
-                <c:pt idx="18">
-                  <c:v>57.9</c:v>
-                </c:pt>
-                <c:pt idx="19">
-                  <c:v>57.3</c:v>
-                </c:pt>
-                <c:pt idx="20">
-                  <c:v>54.3</c:v>
-                </c:pt>
-                <c:pt idx="21">
-                  <c:v>52.7</c:v>
-                </c:pt>
-                <c:pt idx="22">
-                  <c:v>55.5</c:v>
-                </c:pt>
-                <c:pt idx="23">
-                  <c:v>55.6</c:v>
-                </c:pt>
                 <c:pt idx="24">
-                  <c:v>56.4</c:v>
+                  <c:v>57.8</c:v>
                 </c:pt>
                 <c:pt idx="25">
-                  <c:v>56.6</c:v>
+                  <c:v>58.3</c:v>
                 </c:pt>
                 <c:pt idx="26">
-                  <c:v>56.0</c:v>
+                  <c:v>58.9</c:v>
                 </c:pt>
                 <c:pt idx="27">
-                  <c:v>50.7</c:v>
+                  <c:v>60.1</c:v>
                 </c:pt>
                 <c:pt idx="28">
-                  <c:v>48.3</c:v>
+                  <c:v>62.0</c:v>
                 </c:pt>
                 <c:pt idx="29">
-                  <c:v>48.6</c:v>
-                </c:pt>
-                <c:pt idx="30">
-                  <c:v>35.0</c:v>
+                  <c:v>61.2</c:v>
                 </c:pt>
               </c:numCache>
             </c:numRef>
@@ -2370,19 +2340,19 @@
               <c:strCache>
                 <c:ptCount val="6"/>
                 <c:pt idx="0">
-                  <c:v>KORKF</c:v>
+                  <c:v>THAWN</c:v>
                 </c:pt>
                 <c:pt idx="1">
+                  <c:v>AUSTA</c:v>
+                </c:pt>
+                <c:pt idx="2">
+                  <c:v>Others</c:v>
+                </c:pt>
+                <c:pt idx="3">
                   <c:v>MACCT</c:v>
                 </c:pt>
-                <c:pt idx="2">
+                <c:pt idx="4">
                   <c:v>USACG</c:v>
-                </c:pt>
-                <c:pt idx="3">
-                  <c:v>TWNLD</c:v>
-                </c:pt>
-                <c:pt idx="4">
-                  <c:v>Others</c:v>
                 </c:pt>
                 <c:pt idx="5">
                   <c:v>USAW6</c:v>
@@ -2397,22 +2367,22 @@
                 <c:formatCode>General</c:formatCode>
                 <c:ptCount val="6"/>
                 <c:pt idx="0">
-                  <c:v>2.38</c:v>
+                  <c:v>0.07</c:v>
                 </c:pt>
                 <c:pt idx="1">
-                  <c:v>0.48</c:v>
+                  <c:v>0.08</c:v>
                 </c:pt>
                 <c:pt idx="2">
-                  <c:v>0.44</c:v>
+                  <c:v>0.15</c:v>
                 </c:pt>
                 <c:pt idx="3">
-                  <c:v>0.38</c:v>
+                  <c:v>0.16</c:v>
                 </c:pt>
                 <c:pt idx="4">
-                  <c:v>-4.51</c:v>
+                  <c:v>0.24</c:v>
                 </c:pt>
                 <c:pt idx="5">
-                  <c:v>1.83</c:v>
+                  <c:v>0.3</c:v>
                 </c:pt>
               </c:numCache>
             </c:numRef>
@@ -2495,22 +2465,22 @@
               <c:strCache>
                 <c:ptCount val="6"/>
                 <c:pt idx="0">
-                  <c:v>THAWP</c:v>
+                  <c:v>KORKF</c:v>
                 </c:pt>
                 <c:pt idx="1">
-                  <c:v>HKGSM</c:v>
+                  <c:v>MACHT</c:v>
                 </c:pt>
                 <c:pt idx="2">
                   <c:v>JPNDO</c:v>
                 </c:pt>
                 <c:pt idx="3">
-                  <c:v>JPNJP</c:v>
+                  <c:v>HKGSM</c:v>
                 </c:pt>
                 <c:pt idx="4">
-                  <c:v>THACT</c:v>
+                  <c:v>Others</c:v>
                 </c:pt>
                 <c:pt idx="5">
-                  <c:v>Others</c:v>
+                  <c:v>HKGPP</c:v>
                 </c:pt>
               </c:strCache>
             </c:strRef>
@@ -2522,22 +2492,22 @@
                 <c:formatCode>General</c:formatCode>
                 <c:ptCount val="6"/>
                 <c:pt idx="0">
-                  <c:v>1.68</c:v>
+                  <c:v>0.12</c:v>
                 </c:pt>
                 <c:pt idx="1">
-                  <c:v>1.55</c:v>
+                  <c:v>0.12</c:v>
                 </c:pt>
                 <c:pt idx="2">
-                  <c:v>1.19</c:v>
+                  <c:v>0.12</c:v>
                 </c:pt>
                 <c:pt idx="3">
-                  <c:v>0.97</c:v>
+                  <c:v>0.13</c:v>
                 </c:pt>
                 <c:pt idx="4">
-                  <c:v>0.69</c:v>
+                  <c:v>0.23</c:v>
                 </c:pt>
                 <c:pt idx="5">
-                  <c:v>-5.08</c:v>
+                  <c:v>0.28</c:v>
                 </c:pt>
               </c:numCache>
             </c:numRef>
@@ -2620,22 +2590,22 @@
               <c:strCache>
                 <c:ptCount val="6"/>
                 <c:pt idx="0">
-                  <c:v>BJ</c:v>
+                  <c:v>ShangHai</c:v>
                 </c:pt>
                 <c:pt idx="1">
-                  <c:v>GD</c:v>
+                  <c:v>JiangSu</c:v>
                 </c:pt>
                 <c:pt idx="2">
-                  <c:v>SH</c:v>
+                  <c:v>BeiJing</c:v>
                 </c:pt>
                 <c:pt idx="3">
-                  <c:v>JS</c:v>
+                  <c:v>ZheJiang</c:v>
                 </c:pt>
                 <c:pt idx="4">
-                  <c:v>ZJ</c:v>
+                  <c:v>Others</c:v>
                 </c:pt>
                 <c:pt idx="5">
-                  <c:v>Others</c:v>
+                  <c:v>GuangDong</c:v>
                 </c:pt>
               </c:strCache>
             </c:strRef>
@@ -2647,22 +2617,22 @@
                 <c:formatCode>General</c:formatCode>
                 <c:ptCount val="6"/>
                 <c:pt idx="0">
-                  <c:v>0.4</c:v>
+                  <c:v>0.06</c:v>
                 </c:pt>
                 <c:pt idx="1">
-                  <c:v>0.37</c:v>
+                  <c:v>0.07</c:v>
                 </c:pt>
                 <c:pt idx="2">
-                  <c:v>0.32</c:v>
+                  <c:v>0.08</c:v>
                 </c:pt>
                 <c:pt idx="3">
-                  <c:v>0.28</c:v>
+                  <c:v>0.08</c:v>
                 </c:pt>
                 <c:pt idx="4">
-                  <c:v>0.27</c:v>
+                  <c:v>0.33</c:v>
                 </c:pt>
                 <c:pt idx="5">
-                  <c:v>-0.64</c:v>
+                  <c:v>0.38</c:v>
                 </c:pt>
               </c:numCache>
             </c:numRef>
@@ -2744,9 +2714,9 @@
           </c:marker>
           <c:cat>
             <c:strRef>
-              <c:f>Sheet1!$A$2:$A$32</c:f>
+              <c:f>Sheet1!$A$2:$A$31</c:f>
               <c:strCache>
-                <c:ptCount val="31"/>
+                <c:ptCount val="30"/>
                 <c:pt idx="0">
                   <c:v>1</c:v>
                 </c:pt>
@@ -2836,111 +2806,105 @@
                 </c:pt>
                 <c:pt idx="29">
                   <c:v>30</c:v>
-                </c:pt>
-                <c:pt idx="30">
-                  <c:v>31</c:v>
                 </c:pt>
               </c:strCache>
             </c:strRef>
           </c:cat>
           <c:val>
             <c:numRef>
-              <c:f>Sheet1!$B$2:$B$32</c:f>
+              <c:f>Sheet1!$B$2:$B$31</c:f>
               <c:numCache>
                 <c:formatCode>General</c:formatCode>
-                <c:ptCount val="31"/>
+                <c:ptCount val="30"/>
                 <c:pt idx="0">
-                  <c:v>114.0</c:v>
+                  <c:v>157.7</c:v>
                 </c:pt>
                 <c:pt idx="1">
-                  <c:v>116.6</c:v>
+                  <c:v>113.4</c:v>
                 </c:pt>
                 <c:pt idx="2">
-                  <c:v>160.7</c:v>
+                  <c:v>98.1</c:v>
                 </c:pt>
                 <c:pt idx="3">
-                  <c:v>156.0</c:v>
+                  <c:v>97.7</c:v>
                 </c:pt>
                 <c:pt idx="4">
-                  <c:v>152.1</c:v>
+                  <c:v>149.2</c:v>
                 </c:pt>
                 <c:pt idx="5">
-                  <c:v>148.8</c:v>
+                  <c:v>157.4</c:v>
                 </c:pt>
                 <c:pt idx="6">
-                  <c:v>116.9</c:v>
+                  <c:v>162.1</c:v>
                 </c:pt>
                 <c:pt idx="7">
-                  <c:v>110.2</c:v>
+                  <c:v>160.3</c:v>
                 </c:pt>
                 <c:pt idx="8">
-                  <c:v>157.6</c:v>
+                  <c:v>123.0</c:v>
                 </c:pt>
                 <c:pt idx="9">
-                  <c:v>160.1</c:v>
+                  <c:v>113.4</c:v>
                 </c:pt>
                 <c:pt idx="10">
-                  <c:v>160.0</c:v>
+                  <c:v>167.1</c:v>
                 </c:pt>
                 <c:pt idx="11">
-                  <c:v>159.3</c:v>
+                  <c:v>169.9</c:v>
                 </c:pt>
                 <c:pt idx="12">
-                  <c:v>156.7</c:v>
+                  <c:v>173.1</c:v>
                 </c:pt>
                 <c:pt idx="13">
-                  <c:v>117.8</c:v>
+                  <c:v>173.6</c:v>
                 </c:pt>
                 <c:pt idx="14">
-                  <c:v>109.4</c:v>
+                  <c:v>170.9</c:v>
                 </c:pt>
                 <c:pt idx="15">
-                  <c:v>156.0</c:v>
+                  <c:v>132.7</c:v>
                 </c:pt>
                 <c:pt idx="16">
-                  <c:v>156.3</c:v>
+                  <c:v>119.2</c:v>
                 </c:pt>
                 <c:pt idx="17">
-                  <c:v>158.7</c:v>
+                  <c:v>167.1</c:v>
                 </c:pt>
                 <c:pt idx="18">
-                  <c:v>159.6</c:v>
+                  <c:v>170.8</c:v>
                 </c:pt>
                 <c:pt idx="19">
-                  <c:v>151.9</c:v>
+                  <c:v>173.0</c:v>
                 </c:pt>
                 <c:pt idx="20">
-                  <c:v>117.7</c:v>
+                  <c:v>172.8</c:v>
                 </c:pt>
                 <c:pt idx="21">
-                  <c:v>108.7</c:v>
+                  <c:v>168.3</c:v>
                 </c:pt>
                 <c:pt idx="22">
-                  <c:v>156.3</c:v>
+                  <c:v>129.9</c:v>
                 </c:pt>
                 <c:pt idx="23">
-                  <c:v>158.0</c:v>
+                  <c:v>118.3</c:v>
                 </c:pt>
                 <c:pt idx="24">
-                  <c:v>159.4</c:v>
+                  <c:v>170.3</c:v>
                 </c:pt>
                 <c:pt idx="25">
-                  <c:v>159.1</c:v>
+                  <c:v>175.5</c:v>
                 </c:pt>
                 <c:pt idx="26">
-                  <c:v>149.5</c:v>
+                  <c:v>181.1</c:v>
                 </c:pt>
                 <c:pt idx="27">
-                  <c:v>113.9</c:v>
+                  <c:v>185.6</c:v>
                 </c:pt>
                 <c:pt idx="28">
-                  <c:v>102.5</c:v>
+                  <c:v>180.2</c:v>
                 </c:pt>
                 <c:pt idx="29">
-                  <c:v>140.6</c:v>
-                </c:pt>
-                <c:pt idx="30">
-                  <c:v>90.0</c:v>
+                  <c:v>134.2</c:v>
                 </c:pt>
               </c:numCache>
             </c:numRef>
@@ -3036,22 +3000,22 @@
               <c:strCache>
                 <c:ptCount val="6"/>
                 <c:pt idx="0">
+                  <c:v>THAWN</c:v>
+                </c:pt>
+                <c:pt idx="1">
+                  <c:v>TWNLD</c:v>
+                </c:pt>
+                <c:pt idx="2">
+                  <c:v>JPNJP</c:v>
+                </c:pt>
+                <c:pt idx="3">
+                  <c:v>JPNDO</c:v>
+                </c:pt>
+                <c:pt idx="4">
+                  <c:v>KORKF</c:v>
+                </c:pt>
+                <c:pt idx="5">
                   <c:v>Others</c:v>
-                </c:pt>
-                <c:pt idx="1">
-                  <c:v>TWNFE</c:v>
-                </c:pt>
-                <c:pt idx="2">
-                  <c:v>HKGPP</c:v>
-                </c:pt>
-                <c:pt idx="3">
-                  <c:v>JPNJP</c:v>
-                </c:pt>
-                <c:pt idx="4">
-                  <c:v>THAWP</c:v>
-                </c:pt>
-                <c:pt idx="5">
-                  <c:v>JPNDO</c:v>
                 </c:pt>
               </c:strCache>
             </c:strRef>
@@ -3063,22 +3027,22 @@
                 <c:formatCode>General</c:formatCode>
                 <c:ptCount val="6"/>
                 <c:pt idx="0">
-                  <c:v>0.32</c:v>
+                  <c:v>0.06</c:v>
                 </c:pt>
                 <c:pt idx="1">
                   <c:v>0.08</c:v>
                 </c:pt>
                 <c:pt idx="2">
-                  <c:v>0.08</c:v>
+                  <c:v>0.11</c:v>
                 </c:pt>
                 <c:pt idx="3">
-                  <c:v>0.16</c:v>
+                  <c:v>0.12</c:v>
                 </c:pt>
                 <c:pt idx="4">
-                  <c:v>0.16</c:v>
+                  <c:v>0.12</c:v>
                 </c:pt>
                 <c:pt idx="5">
-                  <c:v>0.2</c:v>
+                  <c:v>0.51</c:v>
                 </c:pt>
               </c:numCache>
             </c:numRef>
@@ -3161,19 +3125,19 @@
               <c:strCache>
                 <c:ptCount val="6"/>
                 <c:pt idx="0">
-                  <c:v>BJ</c:v>
+                  <c:v>SiChuan</c:v>
                 </c:pt>
                 <c:pt idx="1">
-                  <c:v>GD</c:v>
+                  <c:v>ZheJiang</c:v>
                 </c:pt>
                 <c:pt idx="2">
-                  <c:v>SH</c:v>
+                  <c:v>JiangSu</c:v>
                 </c:pt>
                 <c:pt idx="3">
-                  <c:v>JS</c:v>
+                  <c:v>ShangHai</c:v>
                 </c:pt>
                 <c:pt idx="4">
-                  <c:v>ZJ</c:v>
+                  <c:v>GuangDong</c:v>
                 </c:pt>
                 <c:pt idx="5">
                   <c:v>Others</c:v>
@@ -3188,22 +3152,22 @@
                 <c:formatCode>General</c:formatCode>
                 <c:ptCount val="6"/>
                 <c:pt idx="0">
-                  <c:v>0.31</c:v>
+                  <c:v>0.06</c:v>
                 </c:pt>
                 <c:pt idx="1">
-                  <c:v>0.09</c:v>
+                  <c:v>0.12</c:v>
                 </c:pt>
                 <c:pt idx="2">
-                  <c:v>0.11</c:v>
+                  <c:v>0.12</c:v>
                 </c:pt>
                 <c:pt idx="3">
-                  <c:v>0.11</c:v>
+                  <c:v>0.15</c:v>
                 </c:pt>
                 <c:pt idx="4">
-                  <c:v>0.13</c:v>
+                  <c:v>0.26</c:v>
                 </c:pt>
                 <c:pt idx="5">
-                  <c:v>0.25</c:v>
+                  <c:v>0.29</c:v>
                 </c:pt>
               </c:numCache>
             </c:numRef>
@@ -3285,9 +3249,9 @@
           </c:marker>
           <c:cat>
             <c:strRef>
-              <c:f>Sheet1!$A$2:$A$32</c:f>
+              <c:f>Sheet1!$A$2:$A$31</c:f>
               <c:strCache>
-                <c:ptCount val="31"/>
+                <c:ptCount val="30"/>
                 <c:pt idx="0">
                   <c:v>1</c:v>
                 </c:pt>
@@ -3377,111 +3341,105 @@
                 </c:pt>
                 <c:pt idx="29">
                   <c:v>30</c:v>
-                </c:pt>
-                <c:pt idx="30">
-                  <c:v>31</c:v>
                 </c:pt>
               </c:strCache>
             </c:strRef>
           </c:cat>
           <c:val>
             <c:numRef>
-              <c:f>Sheet1!$B$2:$B$32</c:f>
+              <c:f>Sheet1!$B$2:$B$31</c:f>
               <c:numCache>
                 <c:formatCode>General</c:formatCode>
-                <c:ptCount val="31"/>
+                <c:ptCount val="30"/>
                 <c:pt idx="0">
-                  <c:v>226.7</c:v>
+                  <c:v>301.3</c:v>
                 </c:pt>
                 <c:pt idx="1">
-                  <c:v>206.2</c:v>
+                  <c:v>210.8</c:v>
                 </c:pt>
                 <c:pt idx="2">
-                  <c:v>266.0</c:v>
+                  <c:v>190.9</c:v>
                 </c:pt>
                 <c:pt idx="3">
-                  <c:v>262.3</c:v>
+                  <c:v>187.4</c:v>
                 </c:pt>
                 <c:pt idx="4">
-                  <c:v>266.5</c:v>
+                  <c:v>251.7</c:v>
                 </c:pt>
                 <c:pt idx="5">
-                  <c:v>278.3</c:v>
+                  <c:v>258.4</c:v>
                 </c:pt>
                 <c:pt idx="6">
-                  <c:v>210.3</c:v>
+                  <c:v>273.7</c:v>
                 </c:pt>
                 <c:pt idx="7">
-                  <c:v>196.9</c:v>
+                  <c:v>278.6</c:v>
                 </c:pt>
                 <c:pt idx="8">
-                  <c:v>261.0</c:v>
+                  <c:v>199.4</c:v>
                 </c:pt>
                 <c:pt idx="9">
-                  <c:v>280.9</c:v>
+                  <c:v>197.2</c:v>
                 </c:pt>
                 <c:pt idx="10">
-                  <c:v>288.8</c:v>
+                  <c:v>273.9</c:v>
                 </c:pt>
                 <c:pt idx="11">
-                  <c:v>297.5</c:v>
+                  <c:v>276.7</c:v>
                 </c:pt>
                 <c:pt idx="12">
-                  <c:v>289.8</c:v>
+                  <c:v>286.2</c:v>
                 </c:pt>
                 <c:pt idx="13">
-                  <c:v>208.5</c:v>
+                  <c:v>298.8</c:v>
                 </c:pt>
                 <c:pt idx="14">
-                  <c:v>201.5</c:v>
+                  <c:v>316.6</c:v>
                 </c:pt>
                 <c:pt idx="15">
-                  <c:v>262.3</c:v>
+                  <c:v>231.4</c:v>
                 </c:pt>
                 <c:pt idx="16">
-                  <c:v>265.7</c:v>
+                  <c:v>206.1</c:v>
                 </c:pt>
                 <c:pt idx="17">
-                  <c:v>281.7</c:v>
+                  <c:v>285.2</c:v>
                 </c:pt>
                 <c:pt idx="18">
-                  <c:v>305.2</c:v>
+                  <c:v>301.8</c:v>
                 </c:pt>
                 <c:pt idx="19">
-                  <c:v>299.6</c:v>
+                  <c:v>300.4</c:v>
                 </c:pt>
                 <c:pt idx="20">
-                  <c:v>207.6</c:v>
+                  <c:v>306.5</c:v>
                 </c:pt>
                 <c:pt idx="21">
-                  <c:v>192.3</c:v>
+                  <c:v>315.3</c:v>
                 </c:pt>
                 <c:pt idx="22">
-                  <c:v>270.1</c:v>
+                  <c:v>227.5</c:v>
                 </c:pt>
                 <c:pt idx="23">
-                  <c:v>277.0</c:v>
+                  <c:v>202.4</c:v>
                 </c:pt>
                 <c:pt idx="24">
-                  <c:v>278.8</c:v>
+                  <c:v>291.6</c:v>
                 </c:pt>
                 <c:pt idx="25">
-                  <c:v>282.2</c:v>
+                  <c:v>299.8</c:v>
                 </c:pt>
                 <c:pt idx="26">
-                  <c:v>279.0</c:v>
+                  <c:v>299.4</c:v>
                 </c:pt>
                 <c:pt idx="27">
-                  <c:v>183.5</c:v>
+                  <c:v>319.9</c:v>
                 </c:pt>
                 <c:pt idx="28">
-                  <c:v>171.6</c:v>
+                  <c:v>339.2</c:v>
                 </c:pt>
                 <c:pt idx="29">
-                  <c:v>221.9</c:v>
-                </c:pt>
-                <c:pt idx="30">
-                  <c:v>179.3</c:v>
+                  <c:v>236.2</c:v>
                 </c:pt>
               </c:numCache>
             </c:numRef>
@@ -3577,22 +3535,22 @@
               <c:strCache>
                 <c:ptCount val="6"/>
                 <c:pt idx="0">
-                  <c:v>MYSMT</c:v>
+                  <c:v>GBRCN</c:v>
                 </c:pt>
                 <c:pt idx="1">
-                  <c:v>Others</c:v>
+                  <c:v>ITAOM</c:v>
                 </c:pt>
                 <c:pt idx="2">
+                  <c:v>JPNJP</c:v>
+                </c:pt>
+                <c:pt idx="3">
                   <c:v>KORKF</c:v>
-                </c:pt>
-                <c:pt idx="3">
-                  <c:v>JPNJP</c:v>
                 </c:pt>
                 <c:pt idx="4">
                   <c:v>JPNDO</c:v>
                 </c:pt>
                 <c:pt idx="5">
-                  <c:v>ITAWI</c:v>
+                  <c:v>Others</c:v>
                 </c:pt>
               </c:strCache>
             </c:strRef>
@@ -3604,22 +3562,22 @@
                 <c:formatCode>General</c:formatCode>
                 <c:ptCount val="6"/>
                 <c:pt idx="0">
-                  <c:v>0.13</c:v>
+                  <c:v>0.06</c:v>
                 </c:pt>
                 <c:pt idx="1">
-                  <c:v>-0.44</c:v>
+                  <c:v>0.07</c:v>
                 </c:pt>
                 <c:pt idx="2">
+                  <c:v>0.14</c:v>
+                </c:pt>
+                <c:pt idx="3">
                   <c:v>0.22</c:v>
                 </c:pt>
-                <c:pt idx="3">
-                  <c:v>0.35</c:v>
-                </c:pt>
                 <c:pt idx="4">
-                  <c:v>0.53</c:v>
+                  <c:v>0.25</c:v>
                 </c:pt>
                 <c:pt idx="5">
-                  <c:v>0.21</c:v>
+                  <c:v>0.26</c:v>
                 </c:pt>
               </c:numCache>
             </c:numRef>
@@ -3702,19 +3660,19 @@
               <c:strCache>
                 <c:ptCount val="6"/>
                 <c:pt idx="0">
-                  <c:v>BJ</c:v>
+                  <c:v>SiChuan</c:v>
                 </c:pt>
                 <c:pt idx="1">
-                  <c:v>GD</c:v>
+                  <c:v>ZheJiang</c:v>
                 </c:pt>
                 <c:pt idx="2">
-                  <c:v>SH</c:v>
+                  <c:v>JiangSu</c:v>
                 </c:pt>
                 <c:pt idx="3">
-                  <c:v>JS</c:v>
+                  <c:v>BeiJing</c:v>
                 </c:pt>
                 <c:pt idx="4">
-                  <c:v>ZJ</c:v>
+                  <c:v>GuangDong</c:v>
                 </c:pt>
                 <c:pt idx="5">
                   <c:v>Others</c:v>
@@ -3732,19 +3690,19 @@
                   <c:v>0.06</c:v>
                 </c:pt>
                 <c:pt idx="1">
-                  <c:v>0.37</c:v>
+                  <c:v>0.06</c:v>
                 </c:pt>
                 <c:pt idx="2">
                   <c:v>0.11</c:v>
                 </c:pt>
                 <c:pt idx="3">
-                  <c:v>0.17</c:v>
+                  <c:v>0.14</c:v>
                 </c:pt>
                 <c:pt idx="4">
-                  <c:v>0.18</c:v>
+                  <c:v>0.21</c:v>
                 </c:pt>
                 <c:pt idx="5">
-                  <c:v>0.11</c:v>
+                  <c:v>0.42</c:v>
                 </c:pt>
               </c:numCache>
             </c:numRef>
@@ -3826,9 +3784,9 @@
           </c:marker>
           <c:cat>
             <c:strRef>
-              <c:f>Sheet1!$A$2:$A$32</c:f>
+              <c:f>Sheet1!$A$2:$A$31</c:f>
               <c:strCache>
-                <c:ptCount val="31"/>
+                <c:ptCount val="30"/>
                 <c:pt idx="0">
                   <c:v>1</c:v>
                 </c:pt>
@@ -3918,111 +3876,105 @@
                 </c:pt>
                 <c:pt idx="29">
                   <c:v>30</c:v>
-                </c:pt>
-                <c:pt idx="30">
-                  <c:v>31</c:v>
                 </c:pt>
               </c:strCache>
             </c:strRef>
           </c:cat>
           <c:val>
             <c:numRef>
-              <c:f>Sheet1!$B$2:$B$32</c:f>
+              <c:f>Sheet1!$B$2:$B$31</c:f>
               <c:numCache>
                 <c:formatCode>General</c:formatCode>
-                <c:ptCount val="31"/>
+                <c:ptCount val="30"/>
                 <c:pt idx="0">
-                  <c:v>12.6</c:v>
+                  <c:v>7.9</c:v>
                 </c:pt>
                 <c:pt idx="1">
-                  <c:v>11.3</c:v>
+                  <c:v>8.8</c:v>
                 </c:pt>
                 <c:pt idx="2">
-                  <c:v>10.6</c:v>
+                  <c:v>8.9</c:v>
                 </c:pt>
                 <c:pt idx="3">
-                  <c:v>9.9</c:v>
+                  <c:v>7.7</c:v>
                 </c:pt>
                 <c:pt idx="4">
-                  <c:v>9.9</c:v>
+                  <c:v>7.0</c:v>
                 </c:pt>
                 <c:pt idx="5">
+                  <c:v>7.6</c:v>
+                </c:pt>
+                <c:pt idx="6">
+                  <c:v>7.7</c:v>
+                </c:pt>
+                <c:pt idx="7">
+                  <c:v>7.7</c:v>
+                </c:pt>
+                <c:pt idx="8">
+                  <c:v>7.9</c:v>
+                </c:pt>
+                <c:pt idx="9">
+                  <c:v>7.9</c:v>
+                </c:pt>
+                <c:pt idx="10">
+                  <c:v>8.1</c:v>
+                </c:pt>
+                <c:pt idx="11">
+                  <c:v>8.2</c:v>
+                </c:pt>
+                <c:pt idx="12">
+                  <c:v>8.4</c:v>
+                </c:pt>
+                <c:pt idx="13">
+                  <c:v>9.1</c:v>
+                </c:pt>
+                <c:pt idx="14">
+                  <c:v>9.2</c:v>
+                </c:pt>
+                <c:pt idx="15">
+                  <c:v>9.2</c:v>
+                </c:pt>
+                <c:pt idx="16">
+                  <c:v>8.9</c:v>
+                </c:pt>
+                <c:pt idx="17">
+                  <c:v>8.6</c:v>
+                </c:pt>
+                <c:pt idx="18">
+                  <c:v>8.6</c:v>
+                </c:pt>
+                <c:pt idx="19">
+                  <c:v>8.6</c:v>
+                </c:pt>
+                <c:pt idx="20">
+                  <c:v>9.6</c:v>
+                </c:pt>
+                <c:pt idx="21">
+                  <c:v>9.8</c:v>
+                </c:pt>
+                <c:pt idx="22">
+                  <c:v>10.2</c:v>
+                </c:pt>
+                <c:pt idx="23">
+                  <c:v>10.3</c:v>
+                </c:pt>
+                <c:pt idx="24">
+                  <c:v>9.6</c:v>
+                </c:pt>
+                <c:pt idx="25">
                   <c:v>10.4</c:v>
                 </c:pt>
-                <c:pt idx="6">
+                <c:pt idx="26">
+                  <c:v>10.2</c:v>
+                </c:pt>
+                <c:pt idx="27">
                   <c:v>10.8</c:v>
                 </c:pt>
-                <c:pt idx="7">
-                  <c:v>10.3</c:v>
-                </c:pt>
-                <c:pt idx="8">
-                  <c:v>10.1</c:v>
-                </c:pt>
-                <c:pt idx="9">
-                  <c:v>10.1</c:v>
-                </c:pt>
-                <c:pt idx="10">
-                  <c:v>9.1</c:v>
-                </c:pt>
-                <c:pt idx="11">
-                  <c:v>8.8</c:v>
-                </c:pt>
-                <c:pt idx="12">
-                  <c:v>8.8</c:v>
-                </c:pt>
-                <c:pt idx="13">
-                  <c:v>9.3</c:v>
-                </c:pt>
-                <c:pt idx="14">
-                  <c:v>9.1</c:v>
-                </c:pt>
-                <c:pt idx="15">
-                  <c:v>8.4</c:v>
-                </c:pt>
-                <c:pt idx="16">
-                  <c:v>9.0</c:v>
-                </c:pt>
-                <c:pt idx="17">
-                  <c:v>8.7</c:v>
-                </c:pt>
-                <c:pt idx="18">
-                  <c:v>8.8</c:v>
-                </c:pt>
-                <c:pt idx="19">
-                  <c:v>8.8</c:v>
-                </c:pt>
-                <c:pt idx="20">
-                  <c:v>9.0</c:v>
-                </c:pt>
-                <c:pt idx="21">
-                  <c:v>9.0</c:v>
-                </c:pt>
-                <c:pt idx="22">
-                  <c:v>8.8</c:v>
-                </c:pt>
-                <c:pt idx="23">
-                  <c:v>8.7</c:v>
-                </c:pt>
-                <c:pt idx="24">
-                  <c:v>9.1</c:v>
-                </c:pt>
-                <c:pt idx="25">
-                  <c:v>9.3</c:v>
-                </c:pt>
-                <c:pt idx="26">
-                  <c:v>9.3</c:v>
-                </c:pt>
-                <c:pt idx="27">
-                  <c:v>9.9</c:v>
-                </c:pt>
                 <c:pt idx="28">
-                  <c:v>9.5</c:v>
+                  <c:v>11.4</c:v>
                 </c:pt>
                 <c:pt idx="29">
-                  <c:v>7.7</c:v>
-                </c:pt>
-                <c:pt idx="30">
-                  <c:v>5.5</c:v>
+                  <c:v>12.8</c:v>
                 </c:pt>
               </c:numCache>
             </c:numRef>
@@ -4118,22 +4070,22 @@
               <c:strCache>
                 <c:ptCount val="6"/>
                 <c:pt idx="0">
-                  <c:v>USACG</c:v>
+                  <c:v>AUSTA</c:v>
                 </c:pt>
                 <c:pt idx="1">
-                  <c:v>SGPM1</c:v>
+                  <c:v>JPNDO</c:v>
                 </c:pt>
                 <c:pt idx="2">
-                  <c:v>ARETC</c:v>
+                  <c:v>KORKF</c:v>
                 </c:pt>
                 <c:pt idx="3">
-                  <c:v>KORKF</c:v>
+                  <c:v>JPNJP</c:v>
                 </c:pt>
                 <c:pt idx="4">
+                  <c:v>HKGPP</c:v>
+                </c:pt>
+                <c:pt idx="5">
                   <c:v>Others</c:v>
-                </c:pt>
-                <c:pt idx="5">
-                  <c:v>AUSTA</c:v>
                 </c:pt>
               </c:strCache>
             </c:strRef>
@@ -4145,22 +4097,22 @@
                 <c:formatCode>General</c:formatCode>
                 <c:ptCount val="6"/>
                 <c:pt idx="0">
-                  <c:v>0.18</c:v>
+                  <c:v>0.07</c:v>
                 </c:pt>
                 <c:pt idx="1">
-                  <c:v>0.11</c:v>
+                  <c:v>0.07</c:v>
                 </c:pt>
                 <c:pt idx="2">
                   <c:v>0.1</c:v>
                 </c:pt>
                 <c:pt idx="3">
-                  <c:v>0.21</c:v>
+                  <c:v>0.11</c:v>
                 </c:pt>
                 <c:pt idx="4">
-                  <c:v>0.22</c:v>
+                  <c:v>0.12</c:v>
                 </c:pt>
                 <c:pt idx="5">
-                  <c:v>0.18</c:v>
+                  <c:v>0.53</c:v>
                 </c:pt>
               </c:numCache>
             </c:numRef>
@@ -4243,22 +4195,22 @@
               <c:strCache>
                 <c:ptCount val="6"/>
                 <c:pt idx="0">
-                  <c:v>BJ</c:v>
+                  <c:v>GuangDong</c:v>
                 </c:pt>
                 <c:pt idx="1">
-                  <c:v>GD</c:v>
+                  <c:v>FuJian</c:v>
                 </c:pt>
                 <c:pt idx="2">
-                  <c:v>SH</c:v>
+                  <c:v>LiaoNing</c:v>
                 </c:pt>
                 <c:pt idx="3">
-                  <c:v>JS</c:v>
+                  <c:v>Others</c:v>
                 </c:pt>
                 <c:pt idx="4">
-                  <c:v>ZJ</c:v>
+                  <c:v>BeiJing</c:v>
                 </c:pt>
                 <c:pt idx="5">
-                  <c:v>Others</c:v>
+                  <c:v>ShangHai</c:v>
                 </c:pt>
               </c:strCache>
             </c:strRef>
@@ -4270,22 +4222,22 @@
                 <c:formatCode>General</c:formatCode>
                 <c:ptCount val="6"/>
                 <c:pt idx="0">
-                  <c:v>3.3</c:v>
+                  <c:v>0.06</c:v>
                 </c:pt>
                 <c:pt idx="1">
-                  <c:v>0.86</c:v>
+                  <c:v>0.09</c:v>
                 </c:pt>
                 <c:pt idx="2">
-                  <c:v>0.59</c:v>
+                  <c:v>0.1</c:v>
                 </c:pt>
                 <c:pt idx="3">
-                  <c:v>0.57</c:v>
+                  <c:v>0.18</c:v>
                 </c:pt>
                 <c:pt idx="4">
-                  <c:v>-5.61</c:v>
+                  <c:v>0.25</c:v>
                 </c:pt>
                 <c:pt idx="5">
-                  <c:v>1.29</c:v>
+                  <c:v>0.32</c:v>
                 </c:pt>
               </c:numCache>
             </c:numRef>
@@ -4368,19 +4320,19 @@
               <c:strCache>
                 <c:ptCount val="6"/>
                 <c:pt idx="0">
-                  <c:v>BJ</c:v>
+                  <c:v>BeiJing</c:v>
                 </c:pt>
                 <c:pt idx="1">
-                  <c:v>GD</c:v>
+                  <c:v>JiangSu</c:v>
                 </c:pt>
                 <c:pt idx="2">
-                  <c:v>SH</c:v>
+                  <c:v>ShangHai</c:v>
                 </c:pt>
                 <c:pt idx="3">
-                  <c:v>JS</c:v>
+                  <c:v>ZheJiang</c:v>
                 </c:pt>
                 <c:pt idx="4">
-                  <c:v>ZJ</c:v>
+                  <c:v>GuangDong</c:v>
                 </c:pt>
                 <c:pt idx="5">
                   <c:v>Others</c:v>
@@ -4398,19 +4350,19 @@
                   <c:v>0.1</c:v>
                 </c:pt>
                 <c:pt idx="1">
-                  <c:v>0.09</c:v>
+                  <c:v>0.1</c:v>
                 </c:pt>
                 <c:pt idx="2">
-                  <c:v>0.08</c:v>
+                  <c:v>0.11</c:v>
                 </c:pt>
                 <c:pt idx="3">
-                  <c:v>0.15</c:v>
+                  <c:v>0.14</c:v>
                 </c:pt>
                 <c:pt idx="4">
-                  <c:v>0.48</c:v>
+                  <c:v>0.2</c:v>
                 </c:pt>
                 <c:pt idx="5">
-                  <c:v>0.1</c:v>
+                  <c:v>0.35</c:v>
                 </c:pt>
               </c:numCache>
             </c:numRef>
@@ -4494,43 +4446,43 @@
               <c:strCache>
                 <c:ptCount val="13"/>
                 <c:pt idx="0">
+                  <c:v>201504</c:v>
+                </c:pt>
+                <c:pt idx="1">
                   <c:v>201505</c:v>
                 </c:pt>
-                <c:pt idx="1">
+                <c:pt idx="2">
                   <c:v>201506</c:v>
                 </c:pt>
-                <c:pt idx="2">
+                <c:pt idx="3">
                   <c:v>201507</c:v>
                 </c:pt>
-                <c:pt idx="3">
+                <c:pt idx="4">
                   <c:v>201508</c:v>
                 </c:pt>
-                <c:pt idx="4">
+                <c:pt idx="5">
                   <c:v>201509</c:v>
                 </c:pt>
-                <c:pt idx="5">
+                <c:pt idx="6">
                   <c:v>201510</c:v>
                 </c:pt>
-                <c:pt idx="6">
+                <c:pt idx="7">
                   <c:v>201511</c:v>
                 </c:pt>
-                <c:pt idx="7">
+                <c:pt idx="8">
                   <c:v>201512</c:v>
                 </c:pt>
-                <c:pt idx="8">
+                <c:pt idx="9">
                   <c:v>201601</c:v>
                 </c:pt>
-                <c:pt idx="9">
+                <c:pt idx="10">
                   <c:v>201602</c:v>
                 </c:pt>
-                <c:pt idx="10">
+                <c:pt idx="11">
                   <c:v>201603</c:v>
                 </c:pt>
-                <c:pt idx="11">
+                <c:pt idx="12">
                   <c:v>201604</c:v>
-                </c:pt>
-                <c:pt idx="12">
-                  <c:v>201605</c:v>
                 </c:pt>
               </c:strCache>
             </c:strRef>
@@ -4545,10 +4497,10 @@
                   <c:v>1.4</c:v>
                 </c:pt>
                 <c:pt idx="1">
+                  <c:v>1.4</c:v>
+                </c:pt>
+                <c:pt idx="2">
                   <c:v>1.5</c:v>
-                </c:pt>
-                <c:pt idx="2">
-                  <c:v>1.6</c:v>
                 </c:pt>
                 <c:pt idx="3">
                   <c:v>1.6</c:v>
@@ -4557,25 +4509,25 @@
                   <c:v>1.6</c:v>
                 </c:pt>
                 <c:pt idx="5">
-                  <c:v>1.8</c:v>
+                  <c:v>1.6</c:v>
                 </c:pt>
                 <c:pt idx="6">
                   <c:v>1.8</c:v>
                 </c:pt>
                 <c:pt idx="7">
+                  <c:v>1.8</c:v>
+                </c:pt>
+                <c:pt idx="8">
                   <c:v>1.9</c:v>
                 </c:pt>
-                <c:pt idx="8">
+                <c:pt idx="9">
                   <c:v>1.8</c:v>
                 </c:pt>
-                <c:pt idx="9">
+                <c:pt idx="10">
                   <c:v>1.7</c:v>
                 </c:pt>
-                <c:pt idx="10">
+                <c:pt idx="11">
                   <c:v>2.3</c:v>
-                </c:pt>
-                <c:pt idx="11">
-                  <c:v>2.4</c:v>
                 </c:pt>
                 <c:pt idx="12">
                   <c:v>2.4</c:v>
@@ -4687,43 +4639,43 @@
               <c:strCache>
                 <c:ptCount val="13"/>
                 <c:pt idx="0">
+                  <c:v>201504</c:v>
+                </c:pt>
+                <c:pt idx="1">
                   <c:v>201505</c:v>
                 </c:pt>
-                <c:pt idx="1">
+                <c:pt idx="2">
                   <c:v>201506</c:v>
                 </c:pt>
-                <c:pt idx="2">
+                <c:pt idx="3">
                   <c:v>201507</c:v>
                 </c:pt>
-                <c:pt idx="3">
+                <c:pt idx="4">
                   <c:v>201508</c:v>
                 </c:pt>
-                <c:pt idx="4">
+                <c:pt idx="5">
                   <c:v>201509</c:v>
                 </c:pt>
-                <c:pt idx="5">
+                <c:pt idx="6">
                   <c:v>201510</c:v>
                 </c:pt>
-                <c:pt idx="6">
+                <c:pt idx="7">
                   <c:v>201511</c:v>
                 </c:pt>
-                <c:pt idx="7">
+                <c:pt idx="8">
                   <c:v>201512</c:v>
                 </c:pt>
-                <c:pt idx="8">
+                <c:pt idx="9">
                   <c:v>201601</c:v>
                 </c:pt>
-                <c:pt idx="9">
+                <c:pt idx="10">
                   <c:v>201602</c:v>
                 </c:pt>
-                <c:pt idx="10">
+                <c:pt idx="11">
                   <c:v>201603</c:v>
                 </c:pt>
-                <c:pt idx="11">
+                <c:pt idx="12">
                   <c:v>201604</c:v>
-                </c:pt>
-                <c:pt idx="12">
-                  <c:v>201605</c:v>
                 </c:pt>
               </c:strCache>
             </c:strRef>
@@ -4735,43 +4687,43 @@
                 <c:formatCode>General</c:formatCode>
                 <c:ptCount val="13"/>
                 <c:pt idx="0">
-                  <c:v>1.2</c:v>
+                  <c:v>1.4</c:v>
                 </c:pt>
                 <c:pt idx="1">
                   <c:v>1.2</c:v>
                 </c:pt>
                 <c:pt idx="2">
+                  <c:v>1.2</c:v>
+                </c:pt>
+                <c:pt idx="3">
                   <c:v>1.1</c:v>
                 </c:pt>
-                <c:pt idx="3">
+                <c:pt idx="4">
                   <c:v>1.0</c:v>
                 </c:pt>
-                <c:pt idx="4">
+                <c:pt idx="5">
                   <c:v>1.1</c:v>
-                </c:pt>
-                <c:pt idx="5">
-                  <c:v>1.3</c:v>
                 </c:pt>
                 <c:pt idx="6">
                   <c:v>1.3</c:v>
                 </c:pt>
                 <c:pt idx="7">
+                  <c:v>1.3</c:v>
+                </c:pt>
+                <c:pt idx="8">
                   <c:v>1.0</c:v>
                 </c:pt>
-                <c:pt idx="8">
+                <c:pt idx="9">
                   <c:v>1.1</c:v>
                 </c:pt>
-                <c:pt idx="9">
+                <c:pt idx="10">
                   <c:v>0.8</c:v>
                 </c:pt>
-                <c:pt idx="10">
+                <c:pt idx="11">
                   <c:v>1.4</c:v>
                 </c:pt>
-                <c:pt idx="11">
+                <c:pt idx="12">
                   <c:v>1.5</c:v>
-                </c:pt>
-                <c:pt idx="12">
-                  <c:v>1.1</c:v>
                 </c:pt>
               </c:numCache>
             </c:numRef>
@@ -4880,43 +4832,43 @@
               <c:strCache>
                 <c:ptCount val="13"/>
                 <c:pt idx="0">
+                  <c:v>201504</c:v>
+                </c:pt>
+                <c:pt idx="1">
                   <c:v>201505</c:v>
                 </c:pt>
-                <c:pt idx="1">
+                <c:pt idx="2">
                   <c:v>201506</c:v>
                 </c:pt>
-                <c:pt idx="2">
+                <c:pt idx="3">
                   <c:v>201507</c:v>
                 </c:pt>
-                <c:pt idx="3">
+                <c:pt idx="4">
                   <c:v>201508</c:v>
                 </c:pt>
-                <c:pt idx="4">
+                <c:pt idx="5">
                   <c:v>201509</c:v>
                 </c:pt>
-                <c:pt idx="5">
+                <c:pt idx="6">
                   <c:v>201510</c:v>
                 </c:pt>
-                <c:pt idx="6">
+                <c:pt idx="7">
                   <c:v>201511</c:v>
                 </c:pt>
-                <c:pt idx="7">
+                <c:pt idx="8">
                   <c:v>201512</c:v>
                 </c:pt>
-                <c:pt idx="8">
+                <c:pt idx="9">
                   <c:v>201601</c:v>
                 </c:pt>
-                <c:pt idx="9">
+                <c:pt idx="10">
                   <c:v>201602</c:v>
                 </c:pt>
-                <c:pt idx="10">
+                <c:pt idx="11">
                   <c:v>201603</c:v>
                 </c:pt>
-                <c:pt idx="11">
+                <c:pt idx="12">
                   <c:v>201604</c:v>
-                </c:pt>
-                <c:pt idx="12">
-                  <c:v>201605</c:v>
                 </c:pt>
               </c:strCache>
             </c:strRef>
@@ -4952,19 +4904,19 @@
                   <c:v>0.4</c:v>
                 </c:pt>
                 <c:pt idx="8">
-                  <c:v>0.3</c:v>
+                  <c:v>0.4</c:v>
                 </c:pt>
                 <c:pt idx="9">
                   <c:v>0.3</c:v>
                 </c:pt>
                 <c:pt idx="10">
-                  <c:v>0.4</c:v>
+                  <c:v>0.3</c:v>
                 </c:pt>
                 <c:pt idx="11">
                   <c:v>0.4</c:v>
                 </c:pt>
                 <c:pt idx="12">
-                  <c:v>0.3</c:v>
+                  <c:v>0.4</c:v>
                 </c:pt>
               </c:numCache>
             </c:numRef>
@@ -5073,43 +5025,43 @@
               <c:strCache>
                 <c:ptCount val="13"/>
                 <c:pt idx="0">
+                  <c:v>201504</c:v>
+                </c:pt>
+                <c:pt idx="1">
                   <c:v>201505</c:v>
                 </c:pt>
-                <c:pt idx="1">
+                <c:pt idx="2">
                   <c:v>201506</c:v>
                 </c:pt>
-                <c:pt idx="2">
+                <c:pt idx="3">
                   <c:v>201507</c:v>
                 </c:pt>
-                <c:pt idx="3">
+                <c:pt idx="4">
                   <c:v>201508</c:v>
                 </c:pt>
-                <c:pt idx="4">
+                <c:pt idx="5">
                   <c:v>201509</c:v>
                 </c:pt>
-                <c:pt idx="5">
+                <c:pt idx="6">
                   <c:v>201510</c:v>
                 </c:pt>
-                <c:pt idx="6">
+                <c:pt idx="7">
                   <c:v>201511</c:v>
                 </c:pt>
-                <c:pt idx="7">
+                <c:pt idx="8">
                   <c:v>201512</c:v>
                 </c:pt>
-                <c:pt idx="8">
+                <c:pt idx="9">
                   <c:v>201601</c:v>
                 </c:pt>
-                <c:pt idx="9">
+                <c:pt idx="10">
                   <c:v>201602</c:v>
                 </c:pt>
-                <c:pt idx="10">
+                <c:pt idx="11">
                   <c:v>201603</c:v>
                 </c:pt>
-                <c:pt idx="11">
+                <c:pt idx="12">
                   <c:v>201604</c:v>
-                </c:pt>
-                <c:pt idx="12">
-                  <c:v>201605</c:v>
                 </c:pt>
               </c:strCache>
             </c:strRef>
@@ -5121,40 +5073,40 @@
                 <c:formatCode>General</c:formatCode>
                 <c:ptCount val="13"/>
                 <c:pt idx="0">
+                  <c:v>1.7</c:v>
+                </c:pt>
+                <c:pt idx="1">
                   <c:v>1.8</c:v>
                 </c:pt>
-                <c:pt idx="1">
+                <c:pt idx="2">
                   <c:v>1.9</c:v>
                 </c:pt>
-                <c:pt idx="2">
+                <c:pt idx="3">
                   <c:v>2.3</c:v>
                 </c:pt>
-                <c:pt idx="3">
+                <c:pt idx="4">
                   <c:v>2.6</c:v>
                 </c:pt>
-                <c:pt idx="4">
+                <c:pt idx="5">
                   <c:v>2.1</c:v>
                 </c:pt>
-                <c:pt idx="5">
+                <c:pt idx="6">
                   <c:v>2.3</c:v>
-                </c:pt>
-                <c:pt idx="6">
-                  <c:v>2.1</c:v>
                 </c:pt>
                 <c:pt idx="7">
                   <c:v>2.1</c:v>
                 </c:pt>
                 <c:pt idx="8">
+                  <c:v>2.1</c:v>
+                </c:pt>
+                <c:pt idx="9">
                   <c:v>2.0</c:v>
                 </c:pt>
-                <c:pt idx="9">
+                <c:pt idx="10">
                   <c:v>2.6</c:v>
                 </c:pt>
-                <c:pt idx="10">
+                <c:pt idx="11">
                   <c:v>2.2</c:v>
-                </c:pt>
-                <c:pt idx="11">
-                  <c:v>2.4</c:v>
                 </c:pt>
                 <c:pt idx="12">
                   <c:v>2.4</c:v>
@@ -5266,43 +5218,43 @@
               <c:strCache>
                 <c:ptCount val="13"/>
                 <c:pt idx="0">
+                  <c:v>201504</c:v>
+                </c:pt>
+                <c:pt idx="1">
                   <c:v>201505</c:v>
                 </c:pt>
-                <c:pt idx="1">
+                <c:pt idx="2">
                   <c:v>201506</c:v>
                 </c:pt>
-                <c:pt idx="2">
+                <c:pt idx="3">
                   <c:v>201507</c:v>
                 </c:pt>
-                <c:pt idx="3">
+                <c:pt idx="4">
                   <c:v>201508</c:v>
                 </c:pt>
-                <c:pt idx="4">
+                <c:pt idx="5">
                   <c:v>201509</c:v>
                 </c:pt>
-                <c:pt idx="5">
+                <c:pt idx="6">
                   <c:v>201510</c:v>
                 </c:pt>
-                <c:pt idx="6">
+                <c:pt idx="7">
                   <c:v>201511</c:v>
                 </c:pt>
-                <c:pt idx="7">
+                <c:pt idx="8">
                   <c:v>201512</c:v>
                 </c:pt>
-                <c:pt idx="8">
+                <c:pt idx="9">
                   <c:v>201601</c:v>
                 </c:pt>
-                <c:pt idx="9">
+                <c:pt idx="10">
                   <c:v>201602</c:v>
                 </c:pt>
-                <c:pt idx="10">
+                <c:pt idx="11">
                   <c:v>201603</c:v>
                 </c:pt>
-                <c:pt idx="11">
+                <c:pt idx="12">
                   <c:v>201604</c:v>
-                </c:pt>
-                <c:pt idx="12">
-                  <c:v>201605</c:v>
                 </c:pt>
               </c:strCache>
             </c:strRef>
@@ -5317,40 +5269,40 @@
                   <c:v>5.1</c:v>
                 </c:pt>
                 <c:pt idx="1">
+                  <c:v>5.1</c:v>
+                </c:pt>
+                <c:pt idx="2">
                   <c:v>4.7</c:v>
                 </c:pt>
-                <c:pt idx="2">
+                <c:pt idx="3">
                   <c:v>5.4</c:v>
                 </c:pt>
-                <c:pt idx="3">
+                <c:pt idx="4">
                   <c:v>5.7</c:v>
-                </c:pt>
-                <c:pt idx="4">
-                  <c:v>4.8</c:v>
                 </c:pt>
                 <c:pt idx="5">
                   <c:v>4.8</c:v>
                 </c:pt>
                 <c:pt idx="6">
+                  <c:v>4.8</c:v>
+                </c:pt>
+                <c:pt idx="7">
                   <c:v>4.6</c:v>
                 </c:pt>
-                <c:pt idx="7">
+                <c:pt idx="8">
                   <c:v>4.7</c:v>
                 </c:pt>
-                <c:pt idx="8">
+                <c:pt idx="9">
                   <c:v>4.4</c:v>
                 </c:pt>
-                <c:pt idx="9">
+                <c:pt idx="10">
                   <c:v>4.3</c:v>
                 </c:pt>
-                <c:pt idx="10">
+                <c:pt idx="11">
                   <c:v>4.4</c:v>
                 </c:pt>
-                <c:pt idx="11">
+                <c:pt idx="12">
                   <c:v>4.6</c:v>
-                </c:pt>
-                <c:pt idx="12">
-                  <c:v>4.3</c:v>
                 </c:pt>
               </c:numCache>
             </c:numRef>
@@ -5459,43 +5411,43 @@
               <c:strCache>
                 <c:ptCount val="13"/>
                 <c:pt idx="0">
+                  <c:v>201504</c:v>
+                </c:pt>
+                <c:pt idx="1">
                   <c:v>201505</c:v>
                 </c:pt>
-                <c:pt idx="1">
+                <c:pt idx="2">
                   <c:v>201506</c:v>
                 </c:pt>
-                <c:pt idx="2">
+                <c:pt idx="3">
                   <c:v>201507</c:v>
                 </c:pt>
-                <c:pt idx="3">
+                <c:pt idx="4">
                   <c:v>201508</c:v>
                 </c:pt>
-                <c:pt idx="4">
+                <c:pt idx="5">
                   <c:v>201509</c:v>
                 </c:pt>
-                <c:pt idx="5">
+                <c:pt idx="6">
                   <c:v>201510</c:v>
                 </c:pt>
-                <c:pt idx="6">
+                <c:pt idx="7">
                   <c:v>201511</c:v>
                 </c:pt>
-                <c:pt idx="7">
+                <c:pt idx="8">
                   <c:v>201512</c:v>
                 </c:pt>
-                <c:pt idx="8">
+                <c:pt idx="9">
                   <c:v>201601</c:v>
                 </c:pt>
-                <c:pt idx="9">
+                <c:pt idx="10">
                   <c:v>201602</c:v>
                 </c:pt>
-                <c:pt idx="10">
+                <c:pt idx="11">
                   <c:v>201603</c:v>
                 </c:pt>
-                <c:pt idx="11">
+                <c:pt idx="12">
                   <c:v>201604</c:v>
-                </c:pt>
-                <c:pt idx="12">
-                  <c:v>201605</c:v>
                 </c:pt>
               </c:strCache>
             </c:strRef>
@@ -5507,40 +5459,40 @@
                 <c:formatCode>General</c:formatCode>
                 <c:ptCount val="13"/>
                 <c:pt idx="0">
-                  <c:v>0.9</c:v>
+                  <c:v>0.8</c:v>
                 </c:pt>
                 <c:pt idx="1">
                   <c:v>0.9</c:v>
                 </c:pt>
                 <c:pt idx="2">
+                  <c:v>0.9</c:v>
+                </c:pt>
+                <c:pt idx="3">
                   <c:v>1.0</c:v>
                 </c:pt>
-                <c:pt idx="3">
+                <c:pt idx="4">
                   <c:v>1.1</c:v>
-                </c:pt>
-                <c:pt idx="4">
-                  <c:v>0.9</c:v>
                 </c:pt>
                 <c:pt idx="5">
                   <c:v>0.9</c:v>
                 </c:pt>
                 <c:pt idx="6">
-                  <c:v>0.8</c:v>
+                  <c:v>0.9</c:v>
                 </c:pt>
                 <c:pt idx="7">
                   <c:v>0.8</c:v>
                 </c:pt>
                 <c:pt idx="8">
+                  <c:v>0.8</c:v>
+                </c:pt>
+                <c:pt idx="9">
                   <c:v>0.7</c:v>
                 </c:pt>
-                <c:pt idx="9">
+                <c:pt idx="10">
                   <c:v>0.8</c:v>
                 </c:pt>
-                <c:pt idx="10">
+                <c:pt idx="11">
                   <c:v>0.7</c:v>
-                </c:pt>
-                <c:pt idx="11">
-                  <c:v>0.8</c:v>
                 </c:pt>
                 <c:pt idx="12">
                   <c:v>0.8</c:v>
@@ -5652,43 +5604,43 @@
               <c:strCache>
                 <c:ptCount val="13"/>
                 <c:pt idx="0">
+                  <c:v>201504</c:v>
+                </c:pt>
+                <c:pt idx="1">
                   <c:v>201505</c:v>
                 </c:pt>
-                <c:pt idx="1">
+                <c:pt idx="2">
                   <c:v>201506</c:v>
                 </c:pt>
-                <c:pt idx="2">
+                <c:pt idx="3">
                   <c:v>201507</c:v>
                 </c:pt>
-                <c:pt idx="3">
+                <c:pt idx="4">
                   <c:v>201508</c:v>
                 </c:pt>
-                <c:pt idx="4">
+                <c:pt idx="5">
                   <c:v>201509</c:v>
                 </c:pt>
-                <c:pt idx="5">
+                <c:pt idx="6">
                   <c:v>201510</c:v>
                 </c:pt>
-                <c:pt idx="6">
+                <c:pt idx="7">
                   <c:v>201511</c:v>
                 </c:pt>
-                <c:pt idx="7">
+                <c:pt idx="8">
                   <c:v>201512</c:v>
                 </c:pt>
-                <c:pt idx="8">
+                <c:pt idx="9">
                   <c:v>201601</c:v>
                 </c:pt>
-                <c:pt idx="9">
+                <c:pt idx="10">
                   <c:v>201602</c:v>
                 </c:pt>
-                <c:pt idx="10">
+                <c:pt idx="11">
                   <c:v>201603</c:v>
                 </c:pt>
-                <c:pt idx="11">
+                <c:pt idx="12">
                   <c:v>201604</c:v>
-                </c:pt>
-                <c:pt idx="12">
-                  <c:v>201605</c:v>
                 </c:pt>
               </c:strCache>
             </c:strRef>
@@ -5700,43 +5652,43 @@
                 <c:formatCode>General</c:formatCode>
                 <c:ptCount val="13"/>
                 <c:pt idx="0">
+                  <c:v>14.9</c:v>
+                </c:pt>
+                <c:pt idx="1">
                   <c:v>13.6</c:v>
                 </c:pt>
-                <c:pt idx="1">
+                <c:pt idx="2">
                   <c:v>14.9</c:v>
                 </c:pt>
-                <c:pt idx="2">
+                <c:pt idx="3">
                   <c:v>17.4</c:v>
                 </c:pt>
-                <c:pt idx="3">
+                <c:pt idx="4">
                   <c:v>16.3</c:v>
                 </c:pt>
-                <c:pt idx="4">
+                <c:pt idx="5">
                   <c:v>14.8</c:v>
                 </c:pt>
-                <c:pt idx="5">
+                <c:pt idx="6">
                   <c:v>17.3</c:v>
                 </c:pt>
-                <c:pt idx="6">
+                <c:pt idx="7">
                   <c:v>18.0</c:v>
                 </c:pt>
-                <c:pt idx="7">
+                <c:pt idx="8">
                   <c:v>17.6</c:v>
-                </c:pt>
-                <c:pt idx="8">
-                  <c:v>16.6</c:v>
                 </c:pt>
                 <c:pt idx="9">
                   <c:v>16.6</c:v>
                 </c:pt>
                 <c:pt idx="10">
+                  <c:v>16.6</c:v>
+                </c:pt>
+                <c:pt idx="11">
                   <c:v>22.4</c:v>
                 </c:pt>
-                <c:pt idx="11">
+                <c:pt idx="12">
                   <c:v>24.7</c:v>
-                </c:pt>
-                <c:pt idx="12">
-                  <c:v>24.8</c:v>
                 </c:pt>
               </c:numCache>
             </c:numRef>
@@ -5762,43 +5714,43 @@
               <c:strCache>
                 <c:ptCount val="13"/>
                 <c:pt idx="0">
+                  <c:v>201504</c:v>
+                </c:pt>
+                <c:pt idx="1">
                   <c:v>201505</c:v>
                 </c:pt>
-                <c:pt idx="1">
+                <c:pt idx="2">
                   <c:v>201506</c:v>
                 </c:pt>
-                <c:pt idx="2">
+                <c:pt idx="3">
                   <c:v>201507</c:v>
                 </c:pt>
-                <c:pt idx="3">
+                <c:pt idx="4">
                   <c:v>201508</c:v>
                 </c:pt>
-                <c:pt idx="4">
+                <c:pt idx="5">
                   <c:v>201509</c:v>
                 </c:pt>
-                <c:pt idx="5">
+                <c:pt idx="6">
                   <c:v>201510</c:v>
                 </c:pt>
-                <c:pt idx="6">
+                <c:pt idx="7">
                   <c:v>201511</c:v>
                 </c:pt>
-                <c:pt idx="7">
+                <c:pt idx="8">
                   <c:v>201512</c:v>
                 </c:pt>
-                <c:pt idx="8">
+                <c:pt idx="9">
                   <c:v>201601</c:v>
                 </c:pt>
-                <c:pt idx="9">
+                <c:pt idx="10">
                   <c:v>201602</c:v>
                 </c:pt>
-                <c:pt idx="10">
+                <c:pt idx="11">
                   <c:v>201603</c:v>
                 </c:pt>
-                <c:pt idx="11">
+                <c:pt idx="12">
                   <c:v>201604</c:v>
-                </c:pt>
-                <c:pt idx="12">
-                  <c:v>201605</c:v>
                 </c:pt>
               </c:strCache>
             </c:strRef>
@@ -5810,43 +5762,43 @@
                 <c:formatCode>General</c:formatCode>
                 <c:ptCount val="13"/>
                 <c:pt idx="0">
+                  <c:v>41.4</c:v>
+                </c:pt>
+                <c:pt idx="1">
                   <c:v>42.8</c:v>
                 </c:pt>
-                <c:pt idx="1">
+                <c:pt idx="2">
                   <c:v>41.2</c:v>
                 </c:pt>
-                <c:pt idx="2">
+                <c:pt idx="3">
                   <c:v>43.6</c:v>
                 </c:pt>
-                <c:pt idx="3">
+                <c:pt idx="4">
                   <c:v>55.0</c:v>
                 </c:pt>
-                <c:pt idx="4">
+                <c:pt idx="5">
                   <c:v>59.9</c:v>
                 </c:pt>
-                <c:pt idx="5">
+                <c:pt idx="6">
                   <c:v>72.7</c:v>
                 </c:pt>
-                <c:pt idx="6">
+                <c:pt idx="7">
                   <c:v>80.0</c:v>
                 </c:pt>
-                <c:pt idx="7">
+                <c:pt idx="8">
                   <c:v>90.8</c:v>
                 </c:pt>
-                <c:pt idx="8">
+                <c:pt idx="9">
                   <c:v>87.3</c:v>
                 </c:pt>
-                <c:pt idx="9">
+                <c:pt idx="10">
                   <c:v>79.3</c:v>
                 </c:pt>
-                <c:pt idx="10">
+                <c:pt idx="11">
                   <c:v>126.2</c:v>
                 </c:pt>
-                <c:pt idx="11">
+                <c:pt idx="12">
                   <c:v>127.5</c:v>
-                </c:pt>
-                <c:pt idx="12">
-                  <c:v>135.1</c:v>
                 </c:pt>
               </c:numCache>
             </c:numRef>
@@ -5955,43 +5907,43 @@
               <c:strCache>
                 <c:ptCount val="13"/>
                 <c:pt idx="0">
+                  <c:v>201504</c:v>
+                </c:pt>
+                <c:pt idx="1">
                   <c:v>201505</c:v>
                 </c:pt>
-                <c:pt idx="1">
+                <c:pt idx="2">
                   <c:v>201506</c:v>
                 </c:pt>
-                <c:pt idx="2">
+                <c:pt idx="3">
                   <c:v>201507</c:v>
                 </c:pt>
-                <c:pt idx="3">
+                <c:pt idx="4">
                   <c:v>201508</c:v>
                 </c:pt>
-                <c:pt idx="4">
+                <c:pt idx="5">
                   <c:v>201509</c:v>
                 </c:pt>
-                <c:pt idx="5">
+                <c:pt idx="6">
                   <c:v>201510</c:v>
                 </c:pt>
-                <c:pt idx="6">
+                <c:pt idx="7">
                   <c:v>201511</c:v>
                 </c:pt>
-                <c:pt idx="7">
+                <c:pt idx="8">
                   <c:v>201512</c:v>
                 </c:pt>
-                <c:pt idx="8">
+                <c:pt idx="9">
                   <c:v>201601</c:v>
                 </c:pt>
-                <c:pt idx="9">
+                <c:pt idx="10">
                   <c:v>201602</c:v>
                 </c:pt>
-                <c:pt idx="10">
+                <c:pt idx="11">
                   <c:v>201603</c:v>
                 </c:pt>
-                <c:pt idx="11">
+                <c:pt idx="12">
                   <c:v>201604</c:v>
-                </c:pt>
-                <c:pt idx="12">
-                  <c:v>201605</c:v>
                 </c:pt>
               </c:strCache>
             </c:strRef>
@@ -6003,43 +5955,43 @@
                 <c:formatCode>General</c:formatCode>
                 <c:ptCount val="13"/>
                 <c:pt idx="0">
+                  <c:v>35.1</c:v>
+                </c:pt>
+                <c:pt idx="1">
                   <c:v>36.0</c:v>
                 </c:pt>
-                <c:pt idx="1">
+                <c:pt idx="2">
                   <c:v>35.1</c:v>
                 </c:pt>
-                <c:pt idx="2">
+                <c:pt idx="3">
                   <c:v>50.9</c:v>
                 </c:pt>
-                <c:pt idx="3">
+                <c:pt idx="4">
                   <c:v>67.4</c:v>
                 </c:pt>
-                <c:pt idx="4">
+                <c:pt idx="5">
                   <c:v>64.1</c:v>
                 </c:pt>
-                <c:pt idx="5">
+                <c:pt idx="6">
                   <c:v>73.8</c:v>
                 </c:pt>
-                <c:pt idx="6">
+                <c:pt idx="7">
                   <c:v>75.4</c:v>
                 </c:pt>
-                <c:pt idx="7">
+                <c:pt idx="8">
                   <c:v>84.4</c:v>
                 </c:pt>
-                <c:pt idx="8">
+                <c:pt idx="9">
                   <c:v>103.7</c:v>
                 </c:pt>
-                <c:pt idx="9">
+                <c:pt idx="10">
                   <c:v>144.0</c:v>
                 </c:pt>
-                <c:pt idx="10">
+                <c:pt idx="11">
                   <c:v>118.6</c:v>
                 </c:pt>
-                <c:pt idx="11">
+                <c:pt idx="12">
                   <c:v>129.0</c:v>
-                </c:pt>
-                <c:pt idx="12">
-                  <c:v>133.2</c:v>
                 </c:pt>
               </c:numCache>
             </c:numRef>
@@ -6065,43 +6017,43 @@
               <c:strCache>
                 <c:ptCount val="13"/>
                 <c:pt idx="0">
+                  <c:v>201504</c:v>
+                </c:pt>
+                <c:pt idx="1">
                   <c:v>201505</c:v>
                 </c:pt>
-                <c:pt idx="1">
+                <c:pt idx="2">
                   <c:v>201506</c:v>
                 </c:pt>
-                <c:pt idx="2">
+                <c:pt idx="3">
                   <c:v>201507</c:v>
                 </c:pt>
-                <c:pt idx="3">
+                <c:pt idx="4">
                   <c:v>201508</c:v>
                 </c:pt>
-                <c:pt idx="4">
+                <c:pt idx="5">
                   <c:v>201509</c:v>
                 </c:pt>
-                <c:pt idx="5">
+                <c:pt idx="6">
                   <c:v>201510</c:v>
                 </c:pt>
-                <c:pt idx="6">
+                <c:pt idx="7">
                   <c:v>201511</c:v>
                 </c:pt>
-                <c:pt idx="7">
+                <c:pt idx="8">
                   <c:v>201512</c:v>
                 </c:pt>
-                <c:pt idx="8">
+                <c:pt idx="9">
                   <c:v>201601</c:v>
                 </c:pt>
-                <c:pt idx="9">
+                <c:pt idx="10">
                   <c:v>201602</c:v>
                 </c:pt>
-                <c:pt idx="10">
+                <c:pt idx="11">
                   <c:v>201603</c:v>
                 </c:pt>
-                <c:pt idx="11">
+                <c:pt idx="12">
                   <c:v>201604</c:v>
-                </c:pt>
-                <c:pt idx="12">
-                  <c:v>201605</c:v>
                 </c:pt>
               </c:strCache>
             </c:strRef>
@@ -6113,43 +6065,43 @@
                 <c:formatCode>General</c:formatCode>
                 <c:ptCount val="13"/>
                 <c:pt idx="0">
+                  <c:v>27.0</c:v>
+                </c:pt>
+                <c:pt idx="1">
                   <c:v>28.1</c:v>
                 </c:pt>
-                <c:pt idx="1">
+                <c:pt idx="2">
                   <c:v>26.7</c:v>
                 </c:pt>
-                <c:pt idx="2">
+                <c:pt idx="3">
                   <c:v>36.3</c:v>
                 </c:pt>
-                <c:pt idx="3">
+                <c:pt idx="4">
                   <c:v>49.5</c:v>
                 </c:pt>
-                <c:pt idx="4">
+                <c:pt idx="5">
                   <c:v>54.5</c:v>
                 </c:pt>
-                <c:pt idx="5">
+                <c:pt idx="6">
                   <c:v>74.9</c:v>
                 </c:pt>
-                <c:pt idx="6">
+                <c:pt idx="7">
                   <c:v>64.3</c:v>
                 </c:pt>
-                <c:pt idx="7">
+                <c:pt idx="8">
                   <c:v>80.5</c:v>
                 </c:pt>
-                <c:pt idx="8">
+                <c:pt idx="9">
                   <c:v>100.7</c:v>
                 </c:pt>
-                <c:pt idx="9">
+                <c:pt idx="10">
                   <c:v>135.8</c:v>
                 </c:pt>
-                <c:pt idx="10">
+                <c:pt idx="11">
                   <c:v>115.9</c:v>
                 </c:pt>
-                <c:pt idx="11">
+                <c:pt idx="12">
                   <c:v>142.3</c:v>
-                </c:pt>
-                <c:pt idx="12">
-                  <c:v>157.2</c:v>
                 </c:pt>
               </c:numCache>
             </c:numRef>
@@ -6258,43 +6210,43 @@
               <c:strCache>
                 <c:ptCount val="13"/>
                 <c:pt idx="0">
+                  <c:v>201504</c:v>
+                </c:pt>
+                <c:pt idx="1">
                   <c:v>201505</c:v>
                 </c:pt>
-                <c:pt idx="1">
+                <c:pt idx="2">
                   <c:v>201506</c:v>
                 </c:pt>
-                <c:pt idx="2">
+                <c:pt idx="3">
                   <c:v>201507</c:v>
                 </c:pt>
-                <c:pt idx="3">
+                <c:pt idx="4">
                   <c:v>201508</c:v>
                 </c:pt>
-                <c:pt idx="4">
+                <c:pt idx="5">
                   <c:v>201509</c:v>
                 </c:pt>
-                <c:pt idx="5">
+                <c:pt idx="6">
                   <c:v>201510</c:v>
                 </c:pt>
-                <c:pt idx="6">
+                <c:pt idx="7">
                   <c:v>201511</c:v>
                 </c:pt>
-                <c:pt idx="7">
+                <c:pt idx="8">
                   <c:v>201512</c:v>
                 </c:pt>
-                <c:pt idx="8">
+                <c:pt idx="9">
                   <c:v>201601</c:v>
                 </c:pt>
-                <c:pt idx="9">
+                <c:pt idx="10">
                   <c:v>201602</c:v>
                 </c:pt>
-                <c:pt idx="10">
+                <c:pt idx="11">
                   <c:v>201603</c:v>
                 </c:pt>
-                <c:pt idx="11">
+                <c:pt idx="12">
                   <c:v>201604</c:v>
-                </c:pt>
-                <c:pt idx="12">
-                  <c:v>201605</c:v>
                 </c:pt>
               </c:strCache>
             </c:strRef>
@@ -6306,43 +6258,43 @@
                 <c:formatCode>General</c:formatCode>
                 <c:ptCount val="13"/>
                 <c:pt idx="0">
+                  <c:v>39</c:v>
+                </c:pt>
+                <c:pt idx="1">
                   <c:v>36</c:v>
                 </c:pt>
-                <c:pt idx="1">
+                <c:pt idx="2">
                   <c:v>37</c:v>
                 </c:pt>
-                <c:pt idx="2">
+                <c:pt idx="3">
                   <c:v>42</c:v>
                 </c:pt>
-                <c:pt idx="3">
+                <c:pt idx="4">
                   <c:v>47</c:v>
                 </c:pt>
-                <c:pt idx="4">
+                <c:pt idx="5">
                   <c:v>49</c:v>
                 </c:pt>
-                <c:pt idx="5">
+                <c:pt idx="6">
                   <c:v>55</c:v>
                 </c:pt>
-                <c:pt idx="6">
+                <c:pt idx="7">
                   <c:v>59</c:v>
                 </c:pt>
-                <c:pt idx="7">
+                <c:pt idx="8">
                   <c:v>62</c:v>
                 </c:pt>
-                <c:pt idx="8">
+                <c:pt idx="9">
                   <c:v>60</c:v>
                 </c:pt>
-                <c:pt idx="9">
+                <c:pt idx="10">
                   <c:v>58</c:v>
                 </c:pt>
-                <c:pt idx="10">
+                <c:pt idx="11">
                   <c:v>72</c:v>
                 </c:pt>
-                <c:pt idx="11">
+                <c:pt idx="12">
                   <c:v>74</c:v>
-                </c:pt>
-                <c:pt idx="12">
-                  <c:v>73</c:v>
                 </c:pt>
               </c:numCache>
             </c:numRef>
@@ -6368,43 +6320,43 @@
               <c:strCache>
                 <c:ptCount val="13"/>
                 <c:pt idx="0">
+                  <c:v>201504</c:v>
+                </c:pt>
+                <c:pt idx="1">
                   <c:v>201505</c:v>
                 </c:pt>
-                <c:pt idx="1">
+                <c:pt idx="2">
                   <c:v>201506</c:v>
                 </c:pt>
-                <c:pt idx="2">
+                <c:pt idx="3">
                   <c:v>201507</c:v>
                 </c:pt>
-                <c:pt idx="3">
+                <c:pt idx="4">
                   <c:v>201508</c:v>
                 </c:pt>
-                <c:pt idx="4">
+                <c:pt idx="5">
                   <c:v>201509</c:v>
                 </c:pt>
-                <c:pt idx="5">
+                <c:pt idx="6">
                   <c:v>201510</c:v>
                 </c:pt>
-                <c:pt idx="6">
+                <c:pt idx="7">
                   <c:v>201511</c:v>
                 </c:pt>
-                <c:pt idx="7">
+                <c:pt idx="8">
                   <c:v>201512</c:v>
                 </c:pt>
-                <c:pt idx="8">
+                <c:pt idx="9">
                   <c:v>201601</c:v>
                 </c:pt>
-                <c:pt idx="9">
+                <c:pt idx="10">
                   <c:v>201602</c:v>
                 </c:pt>
-                <c:pt idx="10">
+                <c:pt idx="11">
                   <c:v>201603</c:v>
                 </c:pt>
-                <c:pt idx="11">
+                <c:pt idx="12">
                   <c:v>201604</c:v>
-                </c:pt>
-                <c:pt idx="12">
-                  <c:v>201605</c:v>
                 </c:pt>
               </c:strCache>
             </c:strRef>
@@ -6416,43 +6368,43 @@
                 <c:formatCode>General</c:formatCode>
                 <c:ptCount val="13"/>
                 <c:pt idx="0">
-                  <c:v>37</c:v>
+                  <c:v>34</c:v>
                 </c:pt>
                 <c:pt idx="1">
                   <c:v>37</c:v>
                 </c:pt>
                 <c:pt idx="2">
+                  <c:v>37</c:v>
+                </c:pt>
+                <c:pt idx="3">
                   <c:v>44</c:v>
                 </c:pt>
-                <c:pt idx="3">
+                <c:pt idx="4">
                   <c:v>53</c:v>
                 </c:pt>
-                <c:pt idx="4">
+                <c:pt idx="5">
                   <c:v>50</c:v>
                 </c:pt>
-                <c:pt idx="5">
+                <c:pt idx="6">
                   <c:v>70</c:v>
                 </c:pt>
-                <c:pt idx="6">
+                <c:pt idx="7">
                   <c:v>73</c:v>
                 </c:pt>
-                <c:pt idx="7">
+                <c:pt idx="8">
                   <c:v>71</c:v>
                 </c:pt>
-                <c:pt idx="8">
+                <c:pt idx="9">
                   <c:v>73</c:v>
                 </c:pt>
-                <c:pt idx="9">
+                <c:pt idx="10">
                   <c:v>86</c:v>
                 </c:pt>
-                <c:pt idx="10">
+                <c:pt idx="11">
                   <c:v>75</c:v>
                 </c:pt>
-                <c:pt idx="11">
+                <c:pt idx="12">
                   <c:v>93</c:v>
-                </c:pt>
-                <c:pt idx="12">
-                  <c:v>94</c:v>
                 </c:pt>
               </c:numCache>
             </c:numRef>
@@ -6559,9 +6511,9 @@
           </c:marker>
           <c:cat>
             <c:strRef>
-              <c:f>Sheet1!$A$2:$A$32</c:f>
+              <c:f>Sheet1!$A$2:$A$31</c:f>
               <c:strCache>
-                <c:ptCount val="31"/>
+                <c:ptCount val="30"/>
                 <c:pt idx="0">
                   <c:v>1</c:v>
                 </c:pt>
@@ -6651,111 +6603,105 @@
                 </c:pt>
                 <c:pt idx="29">
                   <c:v>30</c:v>
-                </c:pt>
-                <c:pt idx="30">
-                  <c:v>31</c:v>
                 </c:pt>
               </c:strCache>
             </c:strRef>
           </c:cat>
           <c:val>
             <c:numRef>
-              <c:f>Sheet1!$B$2:$B$32</c:f>
+              <c:f>Sheet1!$B$2:$B$31</c:f>
               <c:numCache>
                 <c:formatCode>General</c:formatCode>
-                <c:ptCount val="31"/>
+                <c:ptCount val="30"/>
                 <c:pt idx="0">
-                  <c:v>35.7</c:v>
+                  <c:v>36.5</c:v>
                 </c:pt>
                 <c:pt idx="1">
-                  <c:v>32.8</c:v>
+                  <c:v>36.2</c:v>
                 </c:pt>
                 <c:pt idx="2">
-                  <c:v>33.1</c:v>
+                  <c:v>36.0</c:v>
                 </c:pt>
                 <c:pt idx="3">
-                  <c:v>33.8</c:v>
+                  <c:v>35.4</c:v>
                 </c:pt>
                 <c:pt idx="4">
+                  <c:v>33.6</c:v>
+                </c:pt>
+                <c:pt idx="5">
                   <c:v>34.4</c:v>
                 </c:pt>
-                <c:pt idx="5">
-                  <c:v>35.3</c:v>
-                </c:pt>
                 <c:pt idx="6">
-                  <c:v>34.2</c:v>
+                  <c:v>35.1</c:v>
                 </c:pt>
                 <c:pt idx="7">
-                  <c:v>32.7</c:v>
+                  <c:v>36.3</c:v>
                 </c:pt>
                 <c:pt idx="8">
-                  <c:v>33.9</c:v>
+                  <c:v>36.2</c:v>
                 </c:pt>
                 <c:pt idx="9">
-                  <c:v>34.9</c:v>
+                  <c:v>33.6</c:v>
                 </c:pt>
                 <c:pt idx="10">
-                  <c:v>36.4</c:v>
+                  <c:v>34.0</c:v>
                 </c:pt>
                 <c:pt idx="11">
-                  <c:v>37.1</c:v>
+                  <c:v>36.6</c:v>
                 </c:pt>
                 <c:pt idx="12">
+                  <c:v>37.3</c:v>
+                </c:pt>
+                <c:pt idx="13">
                   <c:v>38.6</c:v>
                 </c:pt>
-                <c:pt idx="13">
+                <c:pt idx="14">
+                  <c:v>40.3</c:v>
+                </c:pt>
+                <c:pt idx="15">
+                  <c:v>39.5</c:v>
+                </c:pt>
+                <c:pt idx="16">
+                  <c:v>36.9</c:v>
+                </c:pt>
+                <c:pt idx="17">
+                  <c:v>36.7</c:v>
+                </c:pt>
+                <c:pt idx="18">
+                  <c:v>36.9</c:v>
+                </c:pt>
+                <c:pt idx="19">
+                  <c:v>37.3</c:v>
+                </c:pt>
+                <c:pt idx="20">
+                  <c:v>38.1</c:v>
+                </c:pt>
+                <c:pt idx="21">
+                  <c:v>39.5</c:v>
+                </c:pt>
+                <c:pt idx="22">
+                  <c:v>38.3</c:v>
+                </c:pt>
+                <c:pt idx="23">
+                  <c:v>36.0</c:v>
+                </c:pt>
+                <c:pt idx="24">
                   <c:v>37.5</c:v>
                 </c:pt>
-                <c:pt idx="14">
-                  <c:v>34.6</c:v>
-                </c:pt>
-                <c:pt idx="15">
-                  <c:v>35.9</c:v>
-                </c:pt>
-                <c:pt idx="16">
-                  <c:v>36.7</c:v>
-                </c:pt>
-                <c:pt idx="17">
-                  <c:v>37.8</c:v>
-                </c:pt>
-                <c:pt idx="18">
-                  <c:v>38.1</c:v>
-                </c:pt>
-                <c:pt idx="19">
-                  <c:v>38.5</c:v>
-                </c:pt>
-                <c:pt idx="20">
-                  <c:v>36.9</c:v>
-                </c:pt>
-                <c:pt idx="21">
-                  <c:v>34.8</c:v>
-                </c:pt>
-                <c:pt idx="22">
-                  <c:v>35.9</c:v>
-                </c:pt>
-                <c:pt idx="23">
-                  <c:v>35.9</c:v>
-                </c:pt>
-                <c:pt idx="24">
+                <c:pt idx="25">
+                  <c:v>38.0</c:v>
+                </c:pt>
+                <c:pt idx="26">
                   <c:v>37.3</c:v>
                 </c:pt>
-                <c:pt idx="25">
-                  <c:v>23.7</c:v>
-                </c:pt>
-                <c:pt idx="26">
-                  <c:v>18.6</c:v>
-                </c:pt>
                 <c:pt idx="27">
-                  <c:v>18.3</c:v>
+                  <c:v>37.3</c:v>
                 </c:pt>
                 <c:pt idx="28">
-                  <c:v>17.4</c:v>
+                  <c:v>37.9</c:v>
                 </c:pt>
                 <c:pt idx="29">
-                  <c:v>17.2</c:v>
-                </c:pt>
-                <c:pt idx="30">
-                  <c:v>17.4</c:v>
+                  <c:v>37.2</c:v>
                 </c:pt>
               </c:numCache>
             </c:numRef>
@@ -6852,43 +6798,43 @@
               <c:strCache>
                 <c:ptCount val="13"/>
                 <c:pt idx="0">
+                  <c:v>201504</c:v>
+                </c:pt>
+                <c:pt idx="1">
                   <c:v>201505</c:v>
                 </c:pt>
-                <c:pt idx="1">
+                <c:pt idx="2">
                   <c:v>201506</c:v>
                 </c:pt>
-                <c:pt idx="2">
+                <c:pt idx="3">
                   <c:v>201507</c:v>
                 </c:pt>
-                <c:pt idx="3">
+                <c:pt idx="4">
                   <c:v>201508</c:v>
                 </c:pt>
-                <c:pt idx="4">
+                <c:pt idx="5">
                   <c:v>201509</c:v>
                 </c:pt>
-                <c:pt idx="5">
+                <c:pt idx="6">
                   <c:v>201510</c:v>
                 </c:pt>
-                <c:pt idx="6">
+                <c:pt idx="7">
                   <c:v>201511</c:v>
                 </c:pt>
-                <c:pt idx="7">
+                <c:pt idx="8">
                   <c:v>201512</c:v>
                 </c:pt>
-                <c:pt idx="8">
+                <c:pt idx="9">
                   <c:v>201601</c:v>
                 </c:pt>
-                <c:pt idx="9">
+                <c:pt idx="10">
                   <c:v>201602</c:v>
                 </c:pt>
-                <c:pt idx="10">
+                <c:pt idx="11">
                   <c:v>201603</c:v>
                 </c:pt>
-                <c:pt idx="11">
+                <c:pt idx="12">
                   <c:v>201604</c:v>
-                </c:pt>
-                <c:pt idx="12">
-                  <c:v>201605</c:v>
                 </c:pt>
               </c:strCache>
             </c:strRef>
@@ -6900,43 +6846,43 @@
                 <c:formatCode>General</c:formatCode>
                 <c:ptCount val="13"/>
                 <c:pt idx="0">
+                  <c:v>111</c:v>
+                </c:pt>
+                <c:pt idx="1">
                   <c:v>124</c:v>
                 </c:pt>
-                <c:pt idx="1">
+                <c:pt idx="2">
                   <c:v>117</c:v>
                 </c:pt>
-                <c:pt idx="2">
+                <c:pt idx="3">
                   <c:v>109</c:v>
                 </c:pt>
-                <c:pt idx="3">
+                <c:pt idx="4">
                   <c:v>122</c:v>
                 </c:pt>
-                <c:pt idx="4">
+                <c:pt idx="5">
                   <c:v>127</c:v>
                 </c:pt>
-                <c:pt idx="5">
+                <c:pt idx="6">
                   <c:v>138</c:v>
                 </c:pt>
-                <c:pt idx="6">
+                <c:pt idx="7">
                   <c:v>143</c:v>
-                </c:pt>
-                <c:pt idx="7">
-                  <c:v>154</c:v>
                 </c:pt>
                 <c:pt idx="8">
                   <c:v>154</c:v>
                 </c:pt>
                 <c:pt idx="9">
+                  <c:v>154</c:v>
+                </c:pt>
+                <c:pt idx="10">
                   <c:v>144</c:v>
                 </c:pt>
-                <c:pt idx="10">
+                <c:pt idx="11">
                   <c:v>183</c:v>
                 </c:pt>
-                <c:pt idx="11">
+                <c:pt idx="12">
                   <c:v>180</c:v>
-                </c:pt>
-                <c:pt idx="12">
-                  <c:v>193</c:v>
                 </c:pt>
               </c:numCache>
             </c:numRef>
@@ -6962,43 +6908,43 @@
               <c:strCache>
                 <c:ptCount val="13"/>
                 <c:pt idx="0">
+                  <c:v>201504</c:v>
+                </c:pt>
+                <c:pt idx="1">
                   <c:v>201505</c:v>
                 </c:pt>
-                <c:pt idx="1">
+                <c:pt idx="2">
                   <c:v>201506</c:v>
                 </c:pt>
-                <c:pt idx="2">
+                <c:pt idx="3">
                   <c:v>201507</c:v>
                 </c:pt>
-                <c:pt idx="3">
+                <c:pt idx="4">
                   <c:v>201508</c:v>
                 </c:pt>
-                <c:pt idx="4">
+                <c:pt idx="5">
                   <c:v>201509</c:v>
                 </c:pt>
-                <c:pt idx="5">
+                <c:pt idx="6">
                   <c:v>201510</c:v>
                 </c:pt>
-                <c:pt idx="6">
+                <c:pt idx="7">
                   <c:v>201511</c:v>
                 </c:pt>
-                <c:pt idx="7">
+                <c:pt idx="8">
                   <c:v>201512</c:v>
                 </c:pt>
-                <c:pt idx="8">
+                <c:pt idx="9">
                   <c:v>201601</c:v>
                 </c:pt>
-                <c:pt idx="9">
+                <c:pt idx="10">
                   <c:v>201602</c:v>
                 </c:pt>
-                <c:pt idx="10">
+                <c:pt idx="11">
                   <c:v>201603</c:v>
                 </c:pt>
-                <c:pt idx="11">
+                <c:pt idx="12">
                   <c:v>201604</c:v>
-                </c:pt>
-                <c:pt idx="12">
-                  <c:v>201605</c:v>
                 </c:pt>
               </c:strCache>
             </c:strRef>
@@ -7010,43 +6956,43 @@
                 <c:formatCode>General</c:formatCode>
                 <c:ptCount val="13"/>
                 <c:pt idx="0">
+                  <c:v>82</c:v>
+                </c:pt>
+                <c:pt idx="1">
                   <c:v>80</c:v>
                 </c:pt>
-                <c:pt idx="1">
+                <c:pt idx="2">
                   <c:v>77</c:v>
                 </c:pt>
-                <c:pt idx="2">
+                <c:pt idx="3">
                   <c:v>86</c:v>
                 </c:pt>
-                <c:pt idx="3">
+                <c:pt idx="4">
                   <c:v>98</c:v>
                 </c:pt>
-                <c:pt idx="4">
+                <c:pt idx="5">
                   <c:v>114</c:v>
                 </c:pt>
-                <c:pt idx="5">
+                <c:pt idx="6">
                   <c:v>112</c:v>
                 </c:pt>
-                <c:pt idx="6">
+                <c:pt idx="7">
                   <c:v>93</c:v>
                 </c:pt>
-                <c:pt idx="7">
+                <c:pt idx="8">
                   <c:v>120</c:v>
                 </c:pt>
-                <c:pt idx="8">
+                <c:pt idx="9">
                   <c:v>144</c:v>
                 </c:pt>
-                <c:pt idx="9">
+                <c:pt idx="10">
                   <c:v>165</c:v>
                 </c:pt>
-                <c:pt idx="10">
+                <c:pt idx="11">
                   <c:v>162</c:v>
                 </c:pt>
-                <c:pt idx="11">
+                <c:pt idx="12">
                   <c:v>160</c:v>
-                </c:pt>
-                <c:pt idx="12">
-                  <c:v>175</c:v>
                 </c:pt>
               </c:numCache>
             </c:numRef>
@@ -7154,22 +7100,22 @@
               <c:strCache>
                 <c:ptCount val="6"/>
                 <c:pt idx="0">
+                  <c:v>BBBBB</c:v>
+                </c:pt>
+                <c:pt idx="1">
+                  <c:v>KORKF</c:v>
+                </c:pt>
+                <c:pt idx="2">
                   <c:v>HKGTC</c:v>
                 </c:pt>
-                <c:pt idx="1">
-                  <c:v>HKGH3</c:v>
-                </c:pt>
-                <c:pt idx="2">
-                  <c:v>HKGSM</c:v>
-                </c:pt>
                 <c:pt idx="3">
-                  <c:v>HKGPP</c:v>
+                  <c:v>ITASI</c:v>
                 </c:pt>
                 <c:pt idx="4">
+                  <c:v>KORSK</c:v>
+                </c:pt>
+                <c:pt idx="5">
                   <c:v>Others</c:v>
-                </c:pt>
-                <c:pt idx="5">
-                  <c:v>BBBBB</c:v>
                 </c:pt>
               </c:strCache>
             </c:strRef>
@@ -7181,22 +7127,22 @@
                 <c:formatCode>General</c:formatCode>
                 <c:ptCount val="6"/>
                 <c:pt idx="0">
-                  <c:v>0.05</c:v>
+                  <c:v>0.07</c:v>
                 </c:pt>
                 <c:pt idx="1">
-                  <c:v>0.07</c:v>
+                  <c:v>0.09</c:v>
                 </c:pt>
                 <c:pt idx="2">
-                  <c:v>0.08</c:v>
+                  <c:v>0.1</c:v>
                 </c:pt>
                 <c:pt idx="3">
-                  <c:v>0.09</c:v>
+                  <c:v>0.13</c:v>
                 </c:pt>
                 <c:pt idx="4">
-                  <c:v>0.58</c:v>
+                  <c:v>0.15</c:v>
                 </c:pt>
                 <c:pt idx="5">
-                  <c:v>0.13</c:v>
+                  <c:v>0.46</c:v>
                 </c:pt>
               </c:numCache>
             </c:numRef>
@@ -7279,22 +7225,22 @@
               <c:strCache>
                 <c:ptCount val="6"/>
                 <c:pt idx="0">
-                  <c:v>BJ</c:v>
+                  <c:v>HuNan</c:v>
                 </c:pt>
                 <c:pt idx="1">
-                  <c:v>GD</c:v>
+                  <c:v>HeNan</c:v>
                 </c:pt>
                 <c:pt idx="2">
-                  <c:v>SH</c:v>
+                  <c:v>ShangDong</c:v>
                 </c:pt>
                 <c:pt idx="3">
-                  <c:v>JS</c:v>
+                  <c:v>Others</c:v>
                 </c:pt>
                 <c:pt idx="4">
-                  <c:v>ZJ</c:v>
+                  <c:v>BeiJing</c:v>
                 </c:pt>
                 <c:pt idx="5">
-                  <c:v>Others</c:v>
+                  <c:v>GuangDong</c:v>
                 </c:pt>
               </c:strCache>
             </c:strRef>
@@ -7309,19 +7255,19 @@
                   <c:v>0.09</c:v>
                 </c:pt>
                 <c:pt idx="1">
-                  <c:v>0.09</c:v>
+                  <c:v>0.1</c:v>
                 </c:pt>
                 <c:pt idx="2">
-                  <c:v>0.09</c:v>
+                  <c:v>0.1</c:v>
                 </c:pt>
                 <c:pt idx="3">
-                  <c:v>0.15</c:v>
+                  <c:v>0.17</c:v>
                 </c:pt>
                 <c:pt idx="4">
-                  <c:v>-0.09</c:v>
+                  <c:v>0.26</c:v>
                 </c:pt>
                 <c:pt idx="5">
-                  <c:v>0.67</c:v>
+                  <c:v>0.28</c:v>
                 </c:pt>
               </c:numCache>
             </c:numRef>
@@ -7403,9 +7349,9 @@
           </c:marker>
           <c:cat>
             <c:strRef>
-              <c:f>Sheet1!$A$2:$A$32</c:f>
+              <c:f>Sheet1!$A$2:$A$31</c:f>
               <c:strCache>
-                <c:ptCount val="31"/>
+                <c:ptCount val="30"/>
                 <c:pt idx="0">
                   <c:v>1</c:v>
                 </c:pt>
@@ -7495,111 +7441,105 @@
                 </c:pt>
                 <c:pt idx="29">
                   <c:v>30</c:v>
-                </c:pt>
-                <c:pt idx="30">
-                  <c:v>31</c:v>
                 </c:pt>
               </c:strCache>
             </c:strRef>
           </c:cat>
           <c:val>
             <c:numRef>
-              <c:f>Sheet1!$B$2:$B$32</c:f>
+              <c:f>Sheet1!$B$2:$B$31</c:f>
               <c:numCache>
                 <c:formatCode>General</c:formatCode>
-                <c:ptCount val="31"/>
+                <c:ptCount val="30"/>
                 <c:pt idx="0">
-                  <c:v>24.0</c:v>
+                  <c:v>41.0</c:v>
                 </c:pt>
                 <c:pt idx="1">
-                  <c:v>30.8</c:v>
+                  <c:v>25.9</c:v>
                 </c:pt>
                 <c:pt idx="2">
-                  <c:v>40.4</c:v>
+                  <c:v>23.8</c:v>
                 </c:pt>
                 <c:pt idx="3">
-                  <c:v>45.5</c:v>
+                  <c:v>35.3</c:v>
                 </c:pt>
                 <c:pt idx="4">
-                  <c:v>42.6</c:v>
+                  <c:v>46.2</c:v>
                 </c:pt>
                 <c:pt idx="5">
-                  <c:v>41.5</c:v>
+                  <c:v>54.3</c:v>
                 </c:pt>
                 <c:pt idx="6">
-                  <c:v>26.3</c:v>
+                  <c:v>57.1</c:v>
                 </c:pt>
                 <c:pt idx="7">
-                  <c:v>25.5</c:v>
+                  <c:v>51.1</c:v>
                 </c:pt>
                 <c:pt idx="8">
-                  <c:v>45.4</c:v>
+                  <c:v>31.2</c:v>
                 </c:pt>
                 <c:pt idx="9">
-                  <c:v>57.0</c:v>
+                  <c:v>29.4</c:v>
                 </c:pt>
                 <c:pt idx="10">
-                  <c:v>61.5</c:v>
+                  <c:v>55.1</c:v>
                 </c:pt>
                 <c:pt idx="11">
-                  <c:v>60.2</c:v>
+                  <c:v>68.5</c:v>
                 </c:pt>
                 <c:pt idx="12">
-                  <c:v>50.7</c:v>
+                  <c:v>72.8</c:v>
                 </c:pt>
                 <c:pt idx="13">
-                  <c:v>28.5</c:v>
+                  <c:v>73.7</c:v>
                 </c:pt>
                 <c:pt idx="14">
-                  <c:v>25.6</c:v>
+                  <c:v>65.1</c:v>
                 </c:pt>
                 <c:pt idx="15">
-                  <c:v>43.7</c:v>
+                  <c:v>40.1</c:v>
                 </c:pt>
                 <c:pt idx="16">
-                  <c:v>57.4</c:v>
+                  <c:v>36.6</c:v>
                 </c:pt>
                 <c:pt idx="17">
-                  <c:v>62.7</c:v>
+                  <c:v>58.6</c:v>
                 </c:pt>
                 <c:pt idx="18">
-                  <c:v>62.3</c:v>
+                  <c:v>69.4</c:v>
                 </c:pt>
                 <c:pt idx="19">
-                  <c:v>52.5</c:v>
+                  <c:v>72.6</c:v>
                 </c:pt>
                 <c:pt idx="20">
-                  <c:v>29.2</c:v>
+                  <c:v>70.5</c:v>
                 </c:pt>
                 <c:pt idx="21">
-                  <c:v>25.3</c:v>
+                  <c:v>61.7</c:v>
                 </c:pt>
                 <c:pt idx="22">
-                  <c:v>46.8</c:v>
+                  <c:v>36.2</c:v>
                 </c:pt>
                 <c:pt idx="23">
-                  <c:v>57.3</c:v>
+                  <c:v>33.3</c:v>
                 </c:pt>
                 <c:pt idx="24">
-                  <c:v>60.9</c:v>
+                  <c:v>59.0</c:v>
                 </c:pt>
                 <c:pt idx="25">
-                  <c:v>11.0</c:v>
+                  <c:v>71.3</c:v>
                 </c:pt>
                 <c:pt idx="26">
-                  <c:v>0.0</c:v>
+                  <c:v>69.8</c:v>
                 </c:pt>
                 <c:pt idx="27">
-                  <c:v>0.0</c:v>
+                  <c:v>63.6</c:v>
                 </c:pt>
                 <c:pt idx="28">
-                  <c:v>0.0</c:v>
+                  <c:v>47.2</c:v>
                 </c:pt>
                 <c:pt idx="29">
-                  <c:v>0.0</c:v>
-                </c:pt>
-                <c:pt idx="30">
-                  <c:v>0.0</c:v>
+                  <c:v>28.6</c:v>
                 </c:pt>
               </c:numCache>
             </c:numRef>
@@ -7695,16 +7635,16 @@
               <c:strCache>
                 <c:ptCount val="6"/>
                 <c:pt idx="0">
-                  <c:v>HKGPP</c:v>
+                  <c:v>DEUD2</c:v>
                 </c:pt>
                 <c:pt idx="1">
-                  <c:v>DEUD2</c:v>
+                  <c:v>AUSOP</c:v>
                 </c:pt>
                 <c:pt idx="2">
                   <c:v>DEUD1</c:v>
                 </c:pt>
                 <c:pt idx="3">
-                  <c:v>JPNDO</c:v>
+                  <c:v>AUSTA</c:v>
                 </c:pt>
                 <c:pt idx="4">
                   <c:v>USACG</c:v>
@@ -7722,22 +7662,22 @@
                 <c:formatCode>General</c:formatCode>
                 <c:ptCount val="6"/>
                 <c:pt idx="0">
-                  <c:v>0.06</c:v>
+                  <c:v>0.07</c:v>
                 </c:pt>
                 <c:pt idx="1">
-                  <c:v>0.06</c:v>
+                  <c:v>0.07</c:v>
                 </c:pt>
                 <c:pt idx="2">
-                  <c:v>0.06</c:v>
+                  <c:v>0.08</c:v>
                 </c:pt>
                 <c:pt idx="3">
-                  <c:v>0.07</c:v>
+                  <c:v>0.11</c:v>
                 </c:pt>
                 <c:pt idx="4">
-                  <c:v>0.08</c:v>
+                  <c:v>0.27</c:v>
                 </c:pt>
                 <c:pt idx="5">
-                  <c:v>0.67</c:v>
+                  <c:v>0.4</c:v>
                 </c:pt>
               </c:numCache>
             </c:numRef>
@@ -7820,22 +7760,22 @@
               <c:strCache>
                 <c:ptCount val="6"/>
                 <c:pt idx="0">
-                  <c:v>BJ</c:v>
+                  <c:v>JiangSu</c:v>
                 </c:pt>
                 <c:pt idx="1">
-                  <c:v>GD</c:v>
+                  <c:v>ZheJiang</c:v>
                 </c:pt>
                 <c:pt idx="2">
-                  <c:v>SH</c:v>
+                  <c:v>Others</c:v>
                 </c:pt>
                 <c:pt idx="3">
-                  <c:v>JS</c:v>
+                  <c:v>ShangHai</c:v>
                 </c:pt>
                 <c:pt idx="4">
-                  <c:v>ZJ</c:v>
+                  <c:v>BeiJing</c:v>
                 </c:pt>
                 <c:pt idx="5">
-                  <c:v>Others</c:v>
+                  <c:v>GuangDong</c:v>
                 </c:pt>
               </c:strCache>
             </c:strRef>
@@ -7850,19 +7790,19 @@
                   <c:v>0.05</c:v>
                 </c:pt>
                 <c:pt idx="1">
-                  <c:v>0.07</c:v>
+                  <c:v>0.06</c:v>
                 </c:pt>
                 <c:pt idx="2">
-                  <c:v>0.11</c:v>
+                  <c:v>0.13</c:v>
                 </c:pt>
                 <c:pt idx="3">
-                  <c:v>0.26</c:v>
+                  <c:v>0.16</c:v>
                 </c:pt>
                 <c:pt idx="4">
-                  <c:v>0.33</c:v>
+                  <c:v>0.18</c:v>
                 </c:pt>
                 <c:pt idx="5">
-                  <c:v>0.18</c:v>
+                  <c:v>0.42</c:v>
                 </c:pt>
               </c:numCache>
             </c:numRef>
@@ -8002,7 +7942,7 @@
             <a:fld id="{206B670E-6783-4B6E-A540-E5929245093B}" type="datetimeFigureOut">
               <a:rPr lang="zh-CN" altLang="en-US" smtClean="0"/>
               <a:pPr/>
-              <a:t>2016/7/29</a:t>
+              <a:t>2016/9/7</a:t>
             </a:fld>
             <a:endParaRPr lang="zh-CN" altLang="en-US"/>
           </a:p>
@@ -8173,7 +8113,7 @@
     </p:spTree>
     <p:extLst>
       <p:ext uri="{BB962C8B-B14F-4D97-AF65-F5344CB8AC3E}">
-        <p14:creationId xmlns="" xmlns:p14="http://schemas.microsoft.com/office/powerpoint/2010/main" val="3941864840"/>
+        <p14:creationId xmlns:p14="http://schemas.microsoft.com/office/powerpoint/2010/main" xmlns="" val="3941864840"/>
       </p:ext>
     </p:extLst>
   </p:cSld>
@@ -11331,7 +11271,7 @@
                     <a:p>
                       <a:r>
                         <a:t>2.4-0.7%</a:t>
+4.0%</a:t>
                       </a:r>
                     </a:p>
                   </a:txBody>
@@ -11343,8 +11283,8 @@
                     <a:lstStyle/>
                     <a:p>
                       <a:r>
-                        <a:t>2.7--9.9%</a:t>
+                        <a:t>3.0+3.5%</a:t>
                       </a:r>
                     </a:p>
                   </a:txBody>
@@ -11356,8 +11296,8 @@
                     <a:lstStyle/>
                     <a:p>
                       <a:r>
-                        <a:t>1.1--28.0%</a:t>
+                        <a:t>1.5+10.9%</a:t>
                       </a:r>
                     </a:p>
                   </a:txBody>
@@ -11369,8 +11309,8 @@
                     <a:lstStyle/>
                     <a:p>
                       <a:r>
-                        <a:t>0.3--20.0%</a:t>
+                        <a:t>0.4+8.4%</a:t>
                       </a:r>
                     </a:p>
                   </a:txBody>
@@ -11382,8 +11322,8 @@
                     <a:lstStyle/>
                     <a:p>
                       <a:r>
-                        <a:t>159.9-5.0%</a:t>
+                        <a:t>152.2+2.5%</a:t>
                       </a:r>
                     </a:p>
                   </a:txBody>
@@ -11410,7 +11350,7 @@
                     <a:p>
                       <a:r>
                         <a:t>2.4--0.2%</a:t>
+9.8%</a:t>
                       </a:r>
                     </a:p>
                   </a:txBody>
@@ -11423,7 +11363,7 @@
                     <a:p>
                       <a:r>
                         <a:t>3.4--0.6%</a:t>
+9.1%</a:t>
                       </a:r>
                     </a:p>
                   </a:txBody>
@@ -11435,8 +11375,8 @@
                     <a:lstStyle/>
                     <a:p>
                       <a:r>
-                        <a:t>4.3--5.1%</a:t>
+                        <a:t>4.6+4.4%</a:t>
                       </a:r>
                     </a:p>
                   </a:txBody>
@@ -11449,7 +11389,7 @@
                     <a:p>
                       <a:r>
                         <a:t>0.8--3.3%</a:t>
+7.2%</a:t>
                       </a:r>
                     </a:p>
                   </a:txBody>
@@ -11461,8 +11401,8 @@
                     <a:lstStyle/>
                     <a:p>
                       <a:r>
-                        <a:t>290.5-7.1%</a:t>
+                        <a:t>271.2+15.7%</a:t>
                       </a:r>
                     </a:p>
                   </a:txBody>
@@ -11507,7 +11447,7 @@
           <a:lstStyle/>
           <a:p>
             <a:r>
-              <a:t>144.0%</a:t>
+              <a:t>74.0%</a:t>
             </a:r>
           </a:p>
         </p:txBody>
@@ -11528,7 +11468,7 @@
           <a:lstStyle/>
           <a:p>
             <a:r>
-              <a:t>63.0%</a:t>
+              <a:t>58.0%</a:t>
             </a:r>
           </a:p>
         </p:txBody>
@@ -11684,7 +11624,7 @@
           <a:lstStyle/>
           <a:p>
             <a:r>
-              <a:t>78.0%</a:t>
+              <a:t>47.0%</a:t>
             </a:r>
           </a:p>
         </p:txBody>
@@ -11705,7 +11645,7 @@
           <a:lstStyle/>
           <a:p>
             <a:r>
-              <a:t>52.0%</a:t>
+              <a:t>65.0%</a:t>
             </a:r>
           </a:p>
         </p:txBody>
@@ -12005,8 +11945,8 @@
           <a:lstStyle/>
           <a:p>
             <a:r>
-              <a:t>2016年02月来访LTE新开通5家运营商（MYSMT、 MACSM等），累计115家；-2016年02月出访LTE新开通5家运营商（MYSMT、 MACSM等），累计137家；</a:t>
+              <a:t>2016年02月来访LTE新开通5家运营商（MYSMT、 MACSM等），累计110家；+2016年02月出访LTE新开通2家运营商（MYSMT、 MACSM等），累计132家；</a:t>
             </a:r>
           </a:p>
         </p:txBody>
@@ -12027,7 +11967,7 @@
           <a:lstStyle/>
           <a:p>
             <a:r>
-              <a:t>来访：-1.3%   出访：1.1%</a:t>
+              <a:t>来访：3.2%   出访：24.1%</a:t>
             </a:r>
           </a:p>
         </p:txBody>
@@ -12048,7 +11988,7 @@
           <a:lstStyle/>
           <a:p>
             <a:r>
-              <a:t>来访：7.4%   出访：9.3%</a:t>
+              <a:t>来访：-2.1%   出访：-1.1%</a:t>
             </a:r>
           </a:p>
         </p:txBody>
@@ -12159,7 +12099,7 @@
           <a:lstStyle/>
           <a:p>
             <a:r>
-              <a:t>551.0%</a:t>
+              <a:t>85.0%</a:t>
             </a:r>
           </a:p>
         </p:txBody>
@@ -12180,7 +12120,7 @@
           <a:lstStyle/>
           <a:p>
             <a:r>
-              <a:t>661.0%</a:t>
+              <a:t>82.0%</a:t>
             </a:r>
           </a:p>
         </p:txBody>
@@ -12336,7 +12276,7 @@
           <a:lstStyle/>
           <a:p>
             <a:r>
-              <a:t>42.0%</a:t>
+              <a:t>54.0%</a:t>
             </a:r>
           </a:p>
         </p:txBody>
@@ -12357,7 +12297,7 @@
           <a:lstStyle/>
           <a:p>
             <a:r>
-              <a:t>109.0%</a:t>
+              <a:t>83.0%</a:t>
             </a:r>
           </a:p>
         </p:txBody>
@@ -12513,7 +12453,7 @@
           <a:lstStyle/>
           <a:p>
             <a:r>
-              <a:t>33.0%</a:t>
+              <a:t>60.0%</a:t>
             </a:r>
           </a:p>
         </p:txBody>
@@ -12534,7 +12474,7 @@
           <a:lstStyle/>
           <a:p>
             <a:r>
-              <a:t>82.0%</a:t>
+              <a:t>87.0%</a:t>
             </a:r>
           </a:p>
         </p:txBody>
@@ -12690,7 +12630,7 @@
           <a:lstStyle/>
           <a:p>
             <a:r>
-              <a:t>30.0%</a:t>
+              <a:t>53.0%</a:t>
             </a:r>
           </a:p>
         </p:txBody>
@@ -12711,7 +12651,7 @@
           <a:lstStyle/>
           <a:p>
             <a:r>
-              <a:t>82.0%</a:t>
+              <a:t>75.0%</a:t>
             </a:r>
           </a:p>
         </p:txBody>
@@ -12867,7 +12807,7 @@
           <a:lstStyle/>
           <a:p>
             <a:r>
-              <a:t>115.0%</a:t>
+              <a:t>155.0%</a:t>
             </a:r>
           </a:p>
         </p:txBody>
@@ -12888,7 +12828,7 @@
           <a:lstStyle/>
           <a:p>
             <a:r>
-              <a:t>80.0%</a:t>
+              <a:t>100.0%</a:t>
             </a:r>
           </a:p>
         </p:txBody>
@@ -13044,7 +12984,7 @@
           <a:lstStyle/>
           <a:p>
             <a:r>
-              <a:t>2486.0%</a:t>
+              <a:t>51.0%</a:t>
             </a:r>
           </a:p>
         </p:txBody>
@@ -13065,7 +13005,7 @@
           <a:lstStyle/>
           <a:p>
             <a:r>
-              <a:t>455.0%</a:t>
+              <a:t>58.0%</a:t>
             </a:r>
           </a:p>
         </p:txBody>
@@ -13221,7 +13161,7 @@
           <a:lstStyle/>
           <a:p>
             <a:r>
-              <a:t>608.0%</a:t>
+              <a:t>77.0%</a:t>
             </a:r>
           </a:p>
         </p:txBody>
@@ -13242,7 +13182,7 @@
           <a:lstStyle/>
           <a:p>
             <a:r>
-              <a:t>164.0%</a:t>
+              <a:t>67.0%</a:t>
             </a:r>
           </a:p>
         </p:txBody>
@@ -13398,7 +13338,7 @@
           <a:lstStyle/>
           <a:p>
             <a:r>
-              <a:t>68.0%</a:t>
+              <a:t>49.0%</a:t>
             </a:r>
           </a:p>
         </p:txBody>
@@ -13419,7 +13359,7 @@
           <a:lstStyle/>
           <a:p>
             <a:r>
-              <a:t>69.0%</a:t>
+              <a:t>71.0%</a:t>
             </a:r>
           </a:p>
         </p:txBody>
